--- a/2차원 표준정규분포 확률밀도함수 그리기.pptx
+++ b/2차원 표준정규분포 확률밀도함수 그리기.pptx
@@ -4888,7 +4888,7 @@
       </p:sp>
       <p:pic>
         <p:nvPicPr>
-          <p:cNvPr id="2" name="Picture 1"/>
+          <p:cNvPr id="4" name="Picture 3"/>
           <p:cNvPicPr>
             <a:picLocks noChangeAspect="1"/>
           </p:cNvPicPr>
@@ -4908,8 +4908,8 @@
         </p:blipFill>
         <p:spPr>
           <a:xfrm>
-            <a:off x="1095859" y="1857213"/>
-            <a:ext cx="9964039" cy="4078637"/>
+            <a:off x="301226" y="2131923"/>
+            <a:ext cx="11870765" cy="3509753"/>
           </a:xfrm>
           <a:prstGeom prst="rect">
             <a:avLst/>

--- a/2차원 표준정규분포 확률밀도함수 그리기.pptx
+++ b/2차원 표준정규분포 확률밀도함수 그리기.pptx
@@ -16,8 +16,8 @@
     <p:sldId id="282" r:id="rId10"/>
     <p:sldId id="283" r:id="rId11"/>
     <p:sldId id="285" r:id="rId12"/>
-    <p:sldId id="292" r:id="rId13"/>
-    <p:sldId id="294" r:id="rId14"/>
+    <p:sldId id="294" r:id="rId13"/>
+    <p:sldId id="292" r:id="rId14"/>
     <p:sldId id="286" r:id="rId15"/>
     <p:sldId id="284" r:id="rId16"/>
     <p:sldId id="287" r:id="rId17"/>
@@ -260,7 +260,7 @@
           <a:p>
             <a:fld id="{5B3AD1D6-AE87-C841-B3FD-7C9F7FCAE5AE}" type="datetimeFigureOut">
               <a:rPr lang="en-US" smtClean="0"/>
-              <a:t>12/3/19</a:t>
+              <a:t>12/4/19</a:t>
             </a:fld>
             <a:endParaRPr lang="en-US"/>
           </a:p>
@@ -430,7 +430,7 @@
           <a:p>
             <a:fld id="{5B3AD1D6-AE87-C841-B3FD-7C9F7FCAE5AE}" type="datetimeFigureOut">
               <a:rPr lang="en-US" smtClean="0"/>
-              <a:t>12/3/19</a:t>
+              <a:t>12/4/19</a:t>
             </a:fld>
             <a:endParaRPr lang="en-US"/>
           </a:p>
@@ -610,7 +610,7 @@
           <a:p>
             <a:fld id="{5B3AD1D6-AE87-C841-B3FD-7C9F7FCAE5AE}" type="datetimeFigureOut">
               <a:rPr lang="en-US" smtClean="0"/>
-              <a:t>12/3/19</a:t>
+              <a:t>12/4/19</a:t>
             </a:fld>
             <a:endParaRPr lang="en-US"/>
           </a:p>
@@ -780,7 +780,7 @@
           <a:p>
             <a:fld id="{5B3AD1D6-AE87-C841-B3FD-7C9F7FCAE5AE}" type="datetimeFigureOut">
               <a:rPr lang="en-US" smtClean="0"/>
-              <a:t>12/3/19</a:t>
+              <a:t>12/4/19</a:t>
             </a:fld>
             <a:endParaRPr lang="en-US"/>
           </a:p>
@@ -1026,7 +1026,7 @@
           <a:p>
             <a:fld id="{5B3AD1D6-AE87-C841-B3FD-7C9F7FCAE5AE}" type="datetimeFigureOut">
               <a:rPr lang="en-US" smtClean="0"/>
-              <a:t>12/3/19</a:t>
+              <a:t>12/4/19</a:t>
             </a:fld>
             <a:endParaRPr lang="en-US"/>
           </a:p>
@@ -1258,7 +1258,7 @@
           <a:p>
             <a:fld id="{5B3AD1D6-AE87-C841-B3FD-7C9F7FCAE5AE}" type="datetimeFigureOut">
               <a:rPr lang="en-US" smtClean="0"/>
-              <a:t>12/3/19</a:t>
+              <a:t>12/4/19</a:t>
             </a:fld>
             <a:endParaRPr lang="en-US"/>
           </a:p>
@@ -1625,7 +1625,7 @@
           <a:p>
             <a:fld id="{5B3AD1D6-AE87-C841-B3FD-7C9F7FCAE5AE}" type="datetimeFigureOut">
               <a:rPr lang="en-US" smtClean="0"/>
-              <a:t>12/3/19</a:t>
+              <a:t>12/4/19</a:t>
             </a:fld>
             <a:endParaRPr lang="en-US"/>
           </a:p>
@@ -1743,7 +1743,7 @@
           <a:p>
             <a:fld id="{5B3AD1D6-AE87-C841-B3FD-7C9F7FCAE5AE}" type="datetimeFigureOut">
               <a:rPr lang="en-US" smtClean="0"/>
-              <a:t>12/3/19</a:t>
+              <a:t>12/4/19</a:t>
             </a:fld>
             <a:endParaRPr lang="en-US"/>
           </a:p>
@@ -1838,7 +1838,7 @@
           <a:p>
             <a:fld id="{5B3AD1D6-AE87-C841-B3FD-7C9F7FCAE5AE}" type="datetimeFigureOut">
               <a:rPr lang="en-US" smtClean="0"/>
-              <a:t>12/3/19</a:t>
+              <a:t>12/4/19</a:t>
             </a:fld>
             <a:endParaRPr lang="en-US"/>
           </a:p>
@@ -2115,7 +2115,7 @@
           <a:p>
             <a:fld id="{5B3AD1D6-AE87-C841-B3FD-7C9F7FCAE5AE}" type="datetimeFigureOut">
               <a:rPr lang="en-US" smtClean="0"/>
-              <a:t>12/3/19</a:t>
+              <a:t>12/4/19</a:t>
             </a:fld>
             <a:endParaRPr lang="en-US"/>
           </a:p>
@@ -2368,7 +2368,7 @@
           <a:p>
             <a:fld id="{5B3AD1D6-AE87-C841-B3FD-7C9F7FCAE5AE}" type="datetimeFigureOut">
               <a:rPr lang="en-US" smtClean="0"/>
-              <a:t>12/3/19</a:t>
+              <a:t>12/4/19</a:t>
             </a:fld>
             <a:endParaRPr lang="en-US"/>
           </a:p>
@@ -2581,7 +2581,7 @@
           <a:p>
             <a:fld id="{5B3AD1D6-AE87-C841-B3FD-7C9F7FCAE5AE}" type="datetimeFigureOut">
               <a:rPr lang="en-US" smtClean="0"/>
-              <a:t>12/3/19</a:t>
+              <a:t>12/4/19</a:t>
             </a:fld>
             <a:endParaRPr lang="en-US"/>
           </a:p>
@@ -3784,54 +3784,16 @@
       </p:pic>
       <p:sp>
         <p:nvSpPr>
-          <p:cNvPr id="5" name="TextBox 4"/>
-          <p:cNvSpPr txBox="1"/>
-          <p:nvPr/>
-        </p:nvSpPr>
-        <p:spPr>
-          <a:xfrm>
-            <a:off x="5694439" y="2029993"/>
-            <a:ext cx="2652586" cy="707886"/>
-          </a:xfrm>
-          <a:prstGeom prst="rect">
-            <a:avLst/>
-          </a:prstGeom>
-          <a:noFill/>
-        </p:spPr>
-        <p:txBody>
-          <a:bodyPr wrap="none" rtlCol="0">
-            <a:spAutoFit/>
-          </a:bodyPr>
-          <a:lstStyle/>
-          <a:p>
-            <a:r>
-              <a:rPr lang="en-US" sz="4000" dirty="0" smtClean="0">
-                <a:latin typeface="Arial Black" charset="0"/>
-                <a:ea typeface="Arial Black" charset="0"/>
-                <a:cs typeface="Arial Black" charset="0"/>
-              </a:rPr>
-              <a:t>matrices</a:t>
-            </a:r>
-            <a:endParaRPr lang="en-US" sz="4000" dirty="0">
-              <a:latin typeface="Arial Black" charset="0"/>
-              <a:ea typeface="Arial Black" charset="0"/>
-              <a:cs typeface="Arial Black" charset="0"/>
-            </a:endParaRPr>
-          </a:p>
-        </p:txBody>
-      </p:sp>
-      <p:sp>
-        <p:nvSpPr>
-          <p:cNvPr id="6" name="Right Arrow 5"/>
+          <p:cNvPr id="2" name="Down Arrow 1"/>
           <p:cNvSpPr/>
           <p:nvPr/>
         </p:nvSpPr>
         <p:spPr>
           <a:xfrm rot="10800000">
-            <a:off x="4415791" y="2141620"/>
-            <a:ext cx="978408" cy="484632"/>
-          </a:xfrm>
-          <a:prstGeom prst="rightArrow">
+            <a:off x="1328468" y="2636606"/>
+            <a:ext cx="484632" cy="3384631"/>
+          </a:xfrm>
+          <a:prstGeom prst="downArrow">
             <a:avLst/>
           </a:prstGeom>
         </p:spPr>
@@ -3860,10 +3822,56 @@
           </a:p>
         </p:txBody>
       </p:sp>
+      <p:sp>
+        <p:nvSpPr>
+          <p:cNvPr id="5" name="TextBox 4"/>
+          <p:cNvSpPr txBox="1"/>
+          <p:nvPr/>
+        </p:nvSpPr>
+        <p:spPr>
+          <a:xfrm>
+            <a:off x="379562" y="6021237"/>
+            <a:ext cx="3624903" cy="707886"/>
+          </a:xfrm>
+          <a:prstGeom prst="rect">
+            <a:avLst/>
+          </a:prstGeom>
+          <a:noFill/>
+        </p:spPr>
+        <p:txBody>
+          <a:bodyPr wrap="none" rtlCol="0">
+            <a:spAutoFit/>
+          </a:bodyPr>
+          <a:lstStyle/>
+          <a:p>
+            <a:r>
+              <a:rPr lang="en-US" sz="4000" dirty="0">
+                <a:latin typeface="Arial Black" charset="0"/>
+                <a:ea typeface="Arial Black" charset="0"/>
+                <a:cs typeface="Arial Black" charset="0"/>
+              </a:rPr>
+              <a:t>p</a:t>
+            </a:r>
+            <a:r>
+              <a:rPr lang="en-US" sz="4000" dirty="0" smtClean="0">
+                <a:latin typeface="Arial Black" charset="0"/>
+                <a:ea typeface="Arial Black" charset="0"/>
+                <a:cs typeface="Arial Black" charset="0"/>
+              </a:rPr>
+              <a:t>lot_surface</a:t>
+            </a:r>
+            <a:endParaRPr lang="en-US" sz="4000" dirty="0">
+              <a:latin typeface="Arial Black" charset="0"/>
+              <a:ea typeface="Arial Black" charset="0"/>
+              <a:cs typeface="Arial Black" charset="0"/>
+            </a:endParaRPr>
+          </a:p>
+        </p:txBody>
+      </p:sp>
     </p:spTree>
     <p:extLst>
       <p:ext uri="{BB962C8B-B14F-4D97-AF65-F5344CB8AC3E}">
-        <p14:creationId xmlns:p14="http://schemas.microsoft.com/office/powerpoint/2010/main" val="1689743144"/>
+        <p14:creationId xmlns:p14="http://schemas.microsoft.com/office/powerpoint/2010/main" val="250339221"/>
       </p:ext>
     </p:extLst>
   </p:cSld>
@@ -3959,16 +3967,54 @@
       </p:pic>
       <p:sp>
         <p:nvSpPr>
-          <p:cNvPr id="2" name="Down Arrow 1"/>
+          <p:cNvPr id="5" name="TextBox 4"/>
+          <p:cNvSpPr txBox="1"/>
+          <p:nvPr/>
+        </p:nvSpPr>
+        <p:spPr>
+          <a:xfrm>
+            <a:off x="5694439" y="2029993"/>
+            <a:ext cx="2652586" cy="707886"/>
+          </a:xfrm>
+          <a:prstGeom prst="rect">
+            <a:avLst/>
+          </a:prstGeom>
+          <a:noFill/>
+        </p:spPr>
+        <p:txBody>
+          <a:bodyPr wrap="none" rtlCol="0">
+            <a:spAutoFit/>
+          </a:bodyPr>
+          <a:lstStyle/>
+          <a:p>
+            <a:r>
+              <a:rPr lang="en-US" sz="4000" dirty="0" smtClean="0">
+                <a:latin typeface="Arial Black" charset="0"/>
+                <a:ea typeface="Arial Black" charset="0"/>
+                <a:cs typeface="Arial Black" charset="0"/>
+              </a:rPr>
+              <a:t>matrices</a:t>
+            </a:r>
+            <a:endParaRPr lang="en-US" sz="4000" dirty="0">
+              <a:latin typeface="Arial Black" charset="0"/>
+              <a:ea typeface="Arial Black" charset="0"/>
+              <a:cs typeface="Arial Black" charset="0"/>
+            </a:endParaRPr>
+          </a:p>
+        </p:txBody>
+      </p:sp>
+      <p:sp>
+        <p:nvSpPr>
+          <p:cNvPr id="6" name="Right Arrow 5"/>
           <p:cNvSpPr/>
           <p:nvPr/>
         </p:nvSpPr>
         <p:spPr>
           <a:xfrm rot="10800000">
-            <a:off x="1328468" y="2636606"/>
-            <a:ext cx="484632" cy="3384631"/>
-          </a:xfrm>
-          <a:prstGeom prst="downArrow">
+            <a:off x="4415791" y="2141620"/>
+            <a:ext cx="978408" cy="484632"/>
+          </a:xfrm>
+          <a:prstGeom prst="rightArrow">
             <a:avLst/>
           </a:prstGeom>
         </p:spPr>
@@ -3997,56 +4043,10 @@
           </a:p>
         </p:txBody>
       </p:sp>
-      <p:sp>
-        <p:nvSpPr>
-          <p:cNvPr id="5" name="TextBox 4"/>
-          <p:cNvSpPr txBox="1"/>
-          <p:nvPr/>
-        </p:nvSpPr>
-        <p:spPr>
-          <a:xfrm>
-            <a:off x="379562" y="6021237"/>
-            <a:ext cx="3624903" cy="707886"/>
-          </a:xfrm>
-          <a:prstGeom prst="rect">
-            <a:avLst/>
-          </a:prstGeom>
-          <a:noFill/>
-        </p:spPr>
-        <p:txBody>
-          <a:bodyPr wrap="none" rtlCol="0">
-            <a:spAutoFit/>
-          </a:bodyPr>
-          <a:lstStyle/>
-          <a:p>
-            <a:r>
-              <a:rPr lang="en-US" sz="4000" dirty="0">
-                <a:latin typeface="Arial Black" charset="0"/>
-                <a:ea typeface="Arial Black" charset="0"/>
-                <a:cs typeface="Arial Black" charset="0"/>
-              </a:rPr>
-              <a:t>p</a:t>
-            </a:r>
-            <a:r>
-              <a:rPr lang="en-US" sz="4000" dirty="0" smtClean="0">
-                <a:latin typeface="Arial Black" charset="0"/>
-                <a:ea typeface="Arial Black" charset="0"/>
-                <a:cs typeface="Arial Black" charset="0"/>
-              </a:rPr>
-              <a:t>lot_surface</a:t>
-            </a:r>
-            <a:endParaRPr lang="en-US" sz="4000" dirty="0">
-              <a:latin typeface="Arial Black" charset="0"/>
-              <a:ea typeface="Arial Black" charset="0"/>
-              <a:cs typeface="Arial Black" charset="0"/>
-            </a:endParaRPr>
-          </a:p>
-        </p:txBody>
-      </p:sp>
     </p:spTree>
     <p:extLst>
       <p:ext uri="{BB962C8B-B14F-4D97-AF65-F5344CB8AC3E}">
-        <p14:creationId xmlns:p14="http://schemas.microsoft.com/office/powerpoint/2010/main" val="250339221"/>
+        <p14:creationId xmlns:p14="http://schemas.microsoft.com/office/powerpoint/2010/main" val="1689743144"/>
       </p:ext>
     </p:extLst>
   </p:cSld>
@@ -4332,7 +4332,7 @@
       </p:pic>
       <p:pic>
         <p:nvPicPr>
-          <p:cNvPr id="16" name="Picture 15"/>
+          <p:cNvPr id="2" name="Picture 1"/>
           <p:cNvPicPr>
             <a:picLocks noChangeAspect="1"/>
           </p:cNvPicPr>
@@ -4352,8 +4352,8 @@
         </p:blipFill>
         <p:spPr>
           <a:xfrm>
-            <a:off x="173383" y="5232299"/>
-            <a:ext cx="11620500" cy="1549400"/>
+            <a:off x="283474" y="4572998"/>
+            <a:ext cx="6602938" cy="2174138"/>
           </a:xfrm>
           <a:prstGeom prst="rect">
             <a:avLst/>

--- a/2차원 표준정규분포 확률밀도함수 그리기.pptx
+++ b/2차원 표준정규분포 확률밀도함수 그리기.pptx
@@ -4672,8 +4672,8 @@
         </p:blipFill>
         <p:spPr>
           <a:xfrm>
-            <a:off x="-1" y="-1"/>
-            <a:ext cx="12042475" cy="5872565"/>
+            <a:off x="0" y="-1"/>
+            <a:ext cx="12059728" cy="5872565"/>
           </a:xfrm>
           <a:prstGeom prst="rect">
             <a:avLst/>
@@ -4810,6 +4810,84 @@
           </a:prstGeom>
         </p:spPr>
       </p:pic>
+      <p:sp>
+        <p:nvSpPr>
+          <p:cNvPr id="2" name="TextBox 1"/>
+          <p:cNvSpPr txBox="1"/>
+          <p:nvPr/>
+        </p:nvSpPr>
+        <p:spPr>
+          <a:xfrm>
+            <a:off x="9420045" y="5171288"/>
+            <a:ext cx="1982017" cy="400110"/>
+          </a:xfrm>
+          <a:prstGeom prst="rect">
+            <a:avLst/>
+          </a:prstGeom>
+          <a:noFill/>
+        </p:spPr>
+        <p:txBody>
+          <a:bodyPr wrap="none" rtlCol="0">
+            <a:spAutoFit/>
+          </a:bodyPr>
+          <a:lstStyle/>
+          <a:p>
+            <a:r>
+              <a:rPr lang="en-US" sz="2000" dirty="0" smtClean="0">
+                <a:latin typeface="Arial Black" charset="0"/>
+                <a:ea typeface="Arial Black" charset="0"/>
+                <a:cs typeface="Arial Black" charset="0"/>
+                <a:hlinkClick r:id="rId6"/>
+              </a:rPr>
+              <a:t>stakoverflow</a:t>
+            </a:r>
+            <a:endParaRPr lang="en-US" sz="2000" dirty="0">
+              <a:latin typeface="Arial Black" charset="0"/>
+              <a:ea typeface="Arial Black" charset="0"/>
+              <a:cs typeface="Arial Black" charset="0"/>
+            </a:endParaRPr>
+          </a:p>
+        </p:txBody>
+      </p:sp>
+      <p:sp>
+        <p:nvSpPr>
+          <p:cNvPr id="4" name="TextBox 3"/>
+          <p:cNvSpPr txBox="1"/>
+          <p:nvPr/>
+        </p:nvSpPr>
+        <p:spPr>
+          <a:xfrm>
+            <a:off x="9606366" y="6404790"/>
+            <a:ext cx="768159" cy="400110"/>
+          </a:xfrm>
+          <a:prstGeom prst="rect">
+            <a:avLst/>
+          </a:prstGeom>
+          <a:noFill/>
+        </p:spPr>
+        <p:txBody>
+          <a:bodyPr wrap="none" rtlCol="0">
+            <a:spAutoFit/>
+          </a:bodyPr>
+          <a:lstStyle/>
+          <a:p>
+            <a:r>
+              <a:rPr lang="en-US" sz="2000" dirty="0" smtClean="0">
+                <a:latin typeface="Arial Black" charset="0"/>
+                <a:ea typeface="Arial Black" charset="0"/>
+                <a:cs typeface="Arial Black" charset="0"/>
+                <a:hlinkClick r:id="rId7"/>
+              </a:rPr>
+              <a:t>wiki</a:t>
+            </a:r>
+            <a:endParaRPr lang="en-US" sz="2000" dirty="0">
+              <a:latin typeface="Arial Black" charset="0"/>
+              <a:ea typeface="Arial Black" charset="0"/>
+              <a:cs typeface="Arial Black" charset="0"/>
+            </a:endParaRPr>
+          </a:p>
+        </p:txBody>
+      </p:sp>
     </p:spTree>
     <p:extLst>
       <p:ext uri="{BB962C8B-B14F-4D97-AF65-F5344CB8AC3E}">

--- a/2차원 표준정규분포 확률밀도함수 그리기.pptx
+++ b/2차원 표준정규분포 확률밀도함수 그리기.pptx
@@ -16,13 +16,15 @@
     <p:sldId id="282" r:id="rId10"/>
     <p:sldId id="283" r:id="rId11"/>
     <p:sldId id="285" r:id="rId12"/>
-    <p:sldId id="294" r:id="rId13"/>
-    <p:sldId id="292" r:id="rId14"/>
-    <p:sldId id="286" r:id="rId15"/>
-    <p:sldId id="284" r:id="rId16"/>
-    <p:sldId id="287" r:id="rId17"/>
-    <p:sldId id="259" r:id="rId18"/>
-    <p:sldId id="291" r:id="rId19"/>
+    <p:sldId id="295" r:id="rId13"/>
+    <p:sldId id="294" r:id="rId14"/>
+    <p:sldId id="292" r:id="rId15"/>
+    <p:sldId id="286" r:id="rId16"/>
+    <p:sldId id="284" r:id="rId17"/>
+    <p:sldId id="287" r:id="rId18"/>
+    <p:sldId id="259" r:id="rId19"/>
+    <p:sldId id="296" r:id="rId20"/>
+    <p:sldId id="291" r:id="rId21"/>
   </p:sldIdLst>
   <p:sldSz cx="12192000" cy="6858000"/>
   <p:notesSz cx="6858000" cy="9144000"/>
@@ -3504,7 +3506,7 @@
         </p:nvSpPr>
         <p:spPr>
           <a:xfrm rot="10800000">
-            <a:off x="6844872" y="1113780"/>
+            <a:off x="5606796" y="520610"/>
             <a:ext cx="978408" cy="484632"/>
           </a:xfrm>
           <a:prstGeom prst="rightArrow">
@@ -3544,7 +3546,7 @@
         </p:nvSpPr>
         <p:spPr>
           <a:xfrm rot="10800000">
-            <a:off x="3004617" y="1848077"/>
+            <a:off x="5606796" y="1525854"/>
             <a:ext cx="978408" cy="484632"/>
           </a:xfrm>
           <a:prstGeom prst="rightArrow">
@@ -3578,14 +3580,14 @@
       </p:sp>
       <p:sp>
         <p:nvSpPr>
-          <p:cNvPr id="8" name="TextBox 7"/>
+          <p:cNvPr id="9" name="TextBox 8"/>
           <p:cNvSpPr txBox="1"/>
           <p:nvPr/>
         </p:nvSpPr>
         <p:spPr>
           <a:xfrm>
-            <a:off x="4304106" y="1710039"/>
-            <a:ext cx="4058612" cy="707886"/>
+            <a:off x="6822394" y="408983"/>
+            <a:ext cx="5444504" cy="707886"/>
           </a:xfrm>
           <a:prstGeom prst="rect">
             <a:avLst/>
@@ -3604,7 +3606,7 @@
                 <a:ea typeface="Arial Black" charset="0"/>
                 <a:cs typeface="Arial Black" charset="0"/>
               </a:rPr>
-              <a:t>m</a:t>
+              <a:t>make </a:t>
             </a:r>
             <a:r>
               <a:rPr lang="en-US" sz="4000" dirty="0" smtClean="0">
@@ -3612,46 +3614,13 @@
                 <a:ea typeface="Arial Black" charset="0"/>
                 <a:cs typeface="Arial Black" charset="0"/>
               </a:rPr>
-              <a:t>ake 3d axes</a:t>
+              <a:t>figure object</a:t>
             </a:r>
             <a:endParaRPr lang="en-US" sz="4000" dirty="0">
               <a:latin typeface="Arial Black" charset="0"/>
               <a:ea typeface="Arial Black" charset="0"/>
               <a:cs typeface="Arial Black" charset="0"/>
             </a:endParaRPr>
-          </a:p>
-        </p:txBody>
-      </p:sp>
-      <p:sp>
-        <p:nvSpPr>
-          <p:cNvPr id="9" name="TextBox 8"/>
-          <p:cNvSpPr txBox="1"/>
-          <p:nvPr/>
-        </p:nvSpPr>
-        <p:spPr>
-          <a:xfrm>
-            <a:off x="7978334" y="1002153"/>
-            <a:ext cx="4058612" cy="707886"/>
-          </a:xfrm>
-          <a:prstGeom prst="rect">
-            <a:avLst/>
-          </a:prstGeom>
-          <a:noFill/>
-        </p:spPr>
-        <p:txBody>
-          <a:bodyPr wrap="none" rtlCol="0">
-            <a:spAutoFit/>
-          </a:bodyPr>
-          <a:lstStyle/>
-          <a:p>
-            <a:r>
-              <a:rPr lang="en-US" sz="4000" dirty="0">
-                <a:latin typeface="Arial Black" charset="0"/>
-                <a:ea typeface="Arial Black" charset="0"/>
-                <a:cs typeface="Arial Black" charset="0"/>
-              </a:rPr>
-              <a:t>make 3d axes</a:t>
-            </a:r>
           </a:p>
         </p:txBody>
       </p:sp>
@@ -3685,6 +3654,52 @@
           </a:prstGeom>
         </p:spPr>
       </p:pic>
+      <p:sp>
+        <p:nvSpPr>
+          <p:cNvPr id="11" name="TextBox 10"/>
+          <p:cNvSpPr txBox="1"/>
+          <p:nvPr/>
+        </p:nvSpPr>
+        <p:spPr>
+          <a:xfrm>
+            <a:off x="6822394" y="1413454"/>
+            <a:ext cx="5444504" cy="707886"/>
+          </a:xfrm>
+          <a:prstGeom prst="rect">
+            <a:avLst/>
+          </a:prstGeom>
+          <a:noFill/>
+        </p:spPr>
+        <p:txBody>
+          <a:bodyPr wrap="none" rtlCol="0">
+            <a:spAutoFit/>
+          </a:bodyPr>
+          <a:lstStyle/>
+          <a:p>
+            <a:r>
+              <a:rPr lang="en-US" sz="4000" dirty="0">
+                <a:latin typeface="Arial Black" charset="0"/>
+                <a:ea typeface="Arial Black" charset="0"/>
+                <a:cs typeface="Arial Black" charset="0"/>
+              </a:rPr>
+              <a:t>make </a:t>
+            </a:r>
+            <a:r>
+              <a:rPr lang="en-US" sz="4000" dirty="0" smtClean="0">
+                <a:latin typeface="Arial Black" charset="0"/>
+                <a:ea typeface="Arial Black" charset="0"/>
+                <a:cs typeface="Arial Black" charset="0"/>
+              </a:rPr>
+              <a:t>figure object</a:t>
+            </a:r>
+            <a:endParaRPr lang="en-US" sz="4000" dirty="0">
+              <a:latin typeface="Arial Black" charset="0"/>
+              <a:ea typeface="Arial Black" charset="0"/>
+              <a:cs typeface="Arial Black" charset="0"/>
+            </a:endParaRPr>
+          </a:p>
+        </p:txBody>
+      </p:sp>
     </p:spTree>
     <p:extLst>
       <p:ext uri="{BB962C8B-B14F-4D97-AF65-F5344CB8AC3E}">
@@ -3744,17 +3759,176 @@
         </p:blipFill>
         <p:spPr>
           <a:xfrm>
-            <a:off x="0" y="0"/>
-            <a:ext cx="12025223" cy="5864152"/>
+            <a:off x="0" y="-1"/>
+            <a:ext cx="12192000" cy="5945481"/>
           </a:xfrm>
           <a:prstGeom prst="rect">
             <a:avLst/>
           </a:prstGeom>
         </p:spPr>
       </p:pic>
+      <p:sp>
+        <p:nvSpPr>
+          <p:cNvPr id="4" name="Right Arrow 3"/>
+          <p:cNvSpPr/>
+          <p:nvPr/>
+        </p:nvSpPr>
+        <p:spPr>
+          <a:xfrm rot="10800000">
+            <a:off x="6844872" y="1113780"/>
+            <a:ext cx="978408" cy="484632"/>
+          </a:xfrm>
+          <a:prstGeom prst="rightArrow">
+            <a:avLst/>
+          </a:prstGeom>
+        </p:spPr>
+        <p:style>
+          <a:lnRef idx="2">
+            <a:schemeClr val="accent1">
+              <a:shade val="50000"/>
+            </a:schemeClr>
+          </a:lnRef>
+          <a:fillRef idx="1">
+            <a:schemeClr val="accent1"/>
+          </a:fillRef>
+          <a:effectRef idx="0">
+            <a:schemeClr val="accent1"/>
+          </a:effectRef>
+          <a:fontRef idx="minor">
+            <a:schemeClr val="lt1"/>
+          </a:fontRef>
+        </p:style>
+        <p:txBody>
+          <a:bodyPr rtlCol="0" anchor="ctr"/>
+          <a:lstStyle/>
+          <a:p>
+            <a:pPr algn="ctr"/>
+            <a:endParaRPr lang="en-US"/>
+          </a:p>
+        </p:txBody>
+      </p:sp>
+      <p:sp>
+        <p:nvSpPr>
+          <p:cNvPr id="7" name="Right Arrow 6"/>
+          <p:cNvSpPr/>
+          <p:nvPr/>
+        </p:nvSpPr>
+        <p:spPr>
+          <a:xfrm rot="10800000">
+            <a:off x="3004617" y="1848077"/>
+            <a:ext cx="978408" cy="484632"/>
+          </a:xfrm>
+          <a:prstGeom prst="rightArrow">
+            <a:avLst/>
+          </a:prstGeom>
+        </p:spPr>
+        <p:style>
+          <a:lnRef idx="2">
+            <a:schemeClr val="accent1">
+              <a:shade val="50000"/>
+            </a:schemeClr>
+          </a:lnRef>
+          <a:fillRef idx="1">
+            <a:schemeClr val="accent1"/>
+          </a:fillRef>
+          <a:effectRef idx="0">
+            <a:schemeClr val="accent1"/>
+          </a:effectRef>
+          <a:fontRef idx="minor">
+            <a:schemeClr val="lt1"/>
+          </a:fontRef>
+        </p:style>
+        <p:txBody>
+          <a:bodyPr rtlCol="0" anchor="ctr"/>
+          <a:lstStyle/>
+          <a:p>
+            <a:pPr algn="ctr"/>
+            <a:endParaRPr lang="en-US"/>
+          </a:p>
+        </p:txBody>
+      </p:sp>
+      <p:sp>
+        <p:nvSpPr>
+          <p:cNvPr id="8" name="TextBox 7"/>
+          <p:cNvSpPr txBox="1"/>
+          <p:nvPr/>
+        </p:nvSpPr>
+        <p:spPr>
+          <a:xfrm>
+            <a:off x="4304106" y="1710039"/>
+            <a:ext cx="4058612" cy="707886"/>
+          </a:xfrm>
+          <a:prstGeom prst="rect">
+            <a:avLst/>
+          </a:prstGeom>
+          <a:noFill/>
+        </p:spPr>
+        <p:txBody>
+          <a:bodyPr wrap="none" rtlCol="0">
+            <a:spAutoFit/>
+          </a:bodyPr>
+          <a:lstStyle/>
+          <a:p>
+            <a:r>
+              <a:rPr lang="en-US" sz="4000" dirty="0">
+                <a:latin typeface="Arial Black" charset="0"/>
+                <a:ea typeface="Arial Black" charset="0"/>
+                <a:cs typeface="Arial Black" charset="0"/>
+              </a:rPr>
+              <a:t>m</a:t>
+            </a:r>
+            <a:r>
+              <a:rPr lang="en-US" sz="4000" dirty="0" smtClean="0">
+                <a:latin typeface="Arial Black" charset="0"/>
+                <a:ea typeface="Arial Black" charset="0"/>
+                <a:cs typeface="Arial Black" charset="0"/>
+              </a:rPr>
+              <a:t>ake 3d axes</a:t>
+            </a:r>
+            <a:endParaRPr lang="en-US" sz="4000" dirty="0">
+              <a:latin typeface="Arial Black" charset="0"/>
+              <a:ea typeface="Arial Black" charset="0"/>
+              <a:cs typeface="Arial Black" charset="0"/>
+            </a:endParaRPr>
+          </a:p>
+        </p:txBody>
+      </p:sp>
+      <p:sp>
+        <p:nvSpPr>
+          <p:cNvPr id="9" name="TextBox 8"/>
+          <p:cNvSpPr txBox="1"/>
+          <p:nvPr/>
+        </p:nvSpPr>
+        <p:spPr>
+          <a:xfrm>
+            <a:off x="7978334" y="1002153"/>
+            <a:ext cx="4058612" cy="707886"/>
+          </a:xfrm>
+          <a:prstGeom prst="rect">
+            <a:avLst/>
+          </a:prstGeom>
+          <a:noFill/>
+        </p:spPr>
+        <p:txBody>
+          <a:bodyPr wrap="none" rtlCol="0">
+            <a:spAutoFit/>
+          </a:bodyPr>
+          <a:lstStyle/>
+          <a:p>
+            <a:r>
+              <a:rPr lang="en-US" sz="4000" dirty="0">
+                <a:latin typeface="Arial Black" charset="0"/>
+                <a:ea typeface="Arial Black" charset="0"/>
+                <a:cs typeface="Arial Black" charset="0"/>
+              </a:rPr>
+              <a:t>make 3d axes</a:t>
+            </a:r>
+          </a:p>
+        </p:txBody>
+      </p:sp>
       <p:pic>
         <p:nvPicPr>
-          <p:cNvPr id="4" name="Picture 3"/>
+          <p:cNvPr id="10" name="Picture 9"/>
           <p:cNvPicPr>
             <a:picLocks noChangeAspect="1"/>
           </p:cNvPicPr>
@@ -3782,96 +3956,10 @@
           </a:prstGeom>
         </p:spPr>
       </p:pic>
-      <p:sp>
-        <p:nvSpPr>
-          <p:cNvPr id="2" name="Down Arrow 1"/>
-          <p:cNvSpPr/>
-          <p:nvPr/>
-        </p:nvSpPr>
-        <p:spPr>
-          <a:xfrm rot="10800000">
-            <a:off x="1328468" y="2636606"/>
-            <a:ext cx="484632" cy="3384631"/>
-          </a:xfrm>
-          <a:prstGeom prst="downArrow">
-            <a:avLst/>
-          </a:prstGeom>
-        </p:spPr>
-        <p:style>
-          <a:lnRef idx="2">
-            <a:schemeClr val="accent1">
-              <a:shade val="50000"/>
-            </a:schemeClr>
-          </a:lnRef>
-          <a:fillRef idx="1">
-            <a:schemeClr val="accent1"/>
-          </a:fillRef>
-          <a:effectRef idx="0">
-            <a:schemeClr val="accent1"/>
-          </a:effectRef>
-          <a:fontRef idx="minor">
-            <a:schemeClr val="lt1"/>
-          </a:fontRef>
-        </p:style>
-        <p:txBody>
-          <a:bodyPr rtlCol="0" anchor="ctr"/>
-          <a:lstStyle/>
-          <a:p>
-            <a:pPr algn="ctr"/>
-            <a:endParaRPr lang="en-US"/>
-          </a:p>
-        </p:txBody>
-      </p:sp>
-      <p:sp>
-        <p:nvSpPr>
-          <p:cNvPr id="5" name="TextBox 4"/>
-          <p:cNvSpPr txBox="1"/>
-          <p:nvPr/>
-        </p:nvSpPr>
-        <p:spPr>
-          <a:xfrm>
-            <a:off x="379562" y="6021237"/>
-            <a:ext cx="3624903" cy="707886"/>
-          </a:xfrm>
-          <a:prstGeom prst="rect">
-            <a:avLst/>
-          </a:prstGeom>
-          <a:noFill/>
-        </p:spPr>
-        <p:txBody>
-          <a:bodyPr wrap="none" rtlCol="0">
-            <a:spAutoFit/>
-          </a:bodyPr>
-          <a:lstStyle/>
-          <a:p>
-            <a:r>
-              <a:rPr lang="en-US" sz="4000" dirty="0">
-                <a:latin typeface="Arial Black" charset="0"/>
-                <a:ea typeface="Arial Black" charset="0"/>
-                <a:cs typeface="Arial Black" charset="0"/>
-              </a:rPr>
-              <a:t>p</a:t>
-            </a:r>
-            <a:r>
-              <a:rPr lang="en-US" sz="4000" dirty="0" smtClean="0">
-                <a:latin typeface="Arial Black" charset="0"/>
-                <a:ea typeface="Arial Black" charset="0"/>
-                <a:cs typeface="Arial Black" charset="0"/>
-              </a:rPr>
-              <a:t>lot_surface</a:t>
-            </a:r>
-            <a:endParaRPr lang="en-US" sz="4000" dirty="0">
-              <a:latin typeface="Arial Black" charset="0"/>
-              <a:ea typeface="Arial Black" charset="0"/>
-              <a:cs typeface="Arial Black" charset="0"/>
-            </a:endParaRPr>
-          </a:p>
-        </p:txBody>
-      </p:sp>
     </p:spTree>
     <p:extLst>
       <p:ext uri="{BB962C8B-B14F-4D97-AF65-F5344CB8AC3E}">
-        <p14:creationId xmlns:p14="http://schemas.microsoft.com/office/powerpoint/2010/main" val="250339221"/>
+        <p14:creationId xmlns:p14="http://schemas.microsoft.com/office/powerpoint/2010/main" val="1019654123"/>
       </p:ext>
     </p:extLst>
   </p:cSld>
@@ -3967,54 +4055,16 @@
       </p:pic>
       <p:sp>
         <p:nvSpPr>
-          <p:cNvPr id="5" name="TextBox 4"/>
-          <p:cNvSpPr txBox="1"/>
-          <p:nvPr/>
-        </p:nvSpPr>
-        <p:spPr>
-          <a:xfrm>
-            <a:off x="5694439" y="2029993"/>
-            <a:ext cx="2652586" cy="707886"/>
-          </a:xfrm>
-          <a:prstGeom prst="rect">
-            <a:avLst/>
-          </a:prstGeom>
-          <a:noFill/>
-        </p:spPr>
-        <p:txBody>
-          <a:bodyPr wrap="none" rtlCol="0">
-            <a:spAutoFit/>
-          </a:bodyPr>
-          <a:lstStyle/>
-          <a:p>
-            <a:r>
-              <a:rPr lang="en-US" sz="4000" dirty="0" smtClean="0">
-                <a:latin typeface="Arial Black" charset="0"/>
-                <a:ea typeface="Arial Black" charset="0"/>
-                <a:cs typeface="Arial Black" charset="0"/>
-              </a:rPr>
-              <a:t>matrices</a:t>
-            </a:r>
-            <a:endParaRPr lang="en-US" sz="4000" dirty="0">
-              <a:latin typeface="Arial Black" charset="0"/>
-              <a:ea typeface="Arial Black" charset="0"/>
-              <a:cs typeface="Arial Black" charset="0"/>
-            </a:endParaRPr>
-          </a:p>
-        </p:txBody>
-      </p:sp>
-      <p:sp>
-        <p:nvSpPr>
-          <p:cNvPr id="6" name="Right Arrow 5"/>
+          <p:cNvPr id="2" name="Down Arrow 1"/>
           <p:cNvSpPr/>
           <p:nvPr/>
         </p:nvSpPr>
         <p:spPr>
           <a:xfrm rot="10800000">
-            <a:off x="4415791" y="2141620"/>
-            <a:ext cx="978408" cy="484632"/>
-          </a:xfrm>
-          <a:prstGeom prst="rightArrow">
+            <a:off x="1328468" y="2636606"/>
+            <a:ext cx="484632" cy="3384631"/>
+          </a:xfrm>
+          <a:prstGeom prst="downArrow">
             <a:avLst/>
           </a:prstGeom>
         </p:spPr>
@@ -4043,10 +4093,56 @@
           </a:p>
         </p:txBody>
       </p:sp>
+      <p:sp>
+        <p:nvSpPr>
+          <p:cNvPr id="5" name="TextBox 4"/>
+          <p:cNvSpPr txBox="1"/>
+          <p:nvPr/>
+        </p:nvSpPr>
+        <p:spPr>
+          <a:xfrm>
+            <a:off x="379562" y="6021237"/>
+            <a:ext cx="3624903" cy="707886"/>
+          </a:xfrm>
+          <a:prstGeom prst="rect">
+            <a:avLst/>
+          </a:prstGeom>
+          <a:noFill/>
+        </p:spPr>
+        <p:txBody>
+          <a:bodyPr wrap="none" rtlCol="0">
+            <a:spAutoFit/>
+          </a:bodyPr>
+          <a:lstStyle/>
+          <a:p>
+            <a:r>
+              <a:rPr lang="en-US" sz="4000" dirty="0">
+                <a:latin typeface="Arial Black" charset="0"/>
+                <a:ea typeface="Arial Black" charset="0"/>
+                <a:cs typeface="Arial Black" charset="0"/>
+              </a:rPr>
+              <a:t>p</a:t>
+            </a:r>
+            <a:r>
+              <a:rPr lang="en-US" sz="4000" dirty="0" smtClean="0">
+                <a:latin typeface="Arial Black" charset="0"/>
+                <a:ea typeface="Arial Black" charset="0"/>
+                <a:cs typeface="Arial Black" charset="0"/>
+              </a:rPr>
+              <a:t>lot_surface</a:t>
+            </a:r>
+            <a:endParaRPr lang="en-US" sz="4000" dirty="0">
+              <a:latin typeface="Arial Black" charset="0"/>
+              <a:ea typeface="Arial Black" charset="0"/>
+              <a:cs typeface="Arial Black" charset="0"/>
+            </a:endParaRPr>
+          </a:p>
+        </p:txBody>
+      </p:sp>
     </p:spTree>
     <p:extLst>
       <p:ext uri="{BB962C8B-B14F-4D97-AF65-F5344CB8AC3E}">
-        <p14:creationId xmlns:p14="http://schemas.microsoft.com/office/powerpoint/2010/main" val="1689743144"/>
+        <p14:creationId xmlns:p14="http://schemas.microsoft.com/office/powerpoint/2010/main" val="250339221"/>
       </p:ext>
     </p:extLst>
   </p:cSld>
@@ -4103,206 +4199,16 @@
         <p:spPr>
           <a:xfrm>
             <a:off x="0" y="0"/>
-            <a:ext cx="10287000" cy="5016500"/>
+            <a:ext cx="12025223" cy="5864152"/>
           </a:xfrm>
           <a:prstGeom prst="rect">
             <a:avLst/>
           </a:prstGeom>
         </p:spPr>
       </p:pic>
-      <p:sp>
-        <p:nvSpPr>
-          <p:cNvPr id="4" name="Right Arrow 3"/>
-          <p:cNvSpPr/>
-          <p:nvPr/>
-        </p:nvSpPr>
-        <p:spPr>
-          <a:xfrm rot="10800000">
-            <a:off x="4043581" y="2075703"/>
-            <a:ext cx="978408" cy="484632"/>
-          </a:xfrm>
-          <a:prstGeom prst="rightArrow">
-            <a:avLst/>
-          </a:prstGeom>
-        </p:spPr>
-        <p:style>
-          <a:lnRef idx="2">
-            <a:schemeClr val="accent1">
-              <a:shade val="50000"/>
-            </a:schemeClr>
-          </a:lnRef>
-          <a:fillRef idx="1">
-            <a:schemeClr val="accent1"/>
-          </a:fillRef>
-          <a:effectRef idx="0">
-            <a:schemeClr val="accent1"/>
-          </a:effectRef>
-          <a:fontRef idx="minor">
-            <a:schemeClr val="lt1"/>
-          </a:fontRef>
-        </p:style>
-        <p:txBody>
-          <a:bodyPr rtlCol="0" anchor="ctr"/>
-          <a:lstStyle/>
-          <a:p>
-            <a:pPr algn="ctr"/>
-            <a:endParaRPr lang="en-US"/>
-          </a:p>
-        </p:txBody>
-      </p:sp>
-      <p:sp>
-        <p:nvSpPr>
-          <p:cNvPr id="7" name="Right Arrow 6"/>
-          <p:cNvSpPr/>
-          <p:nvPr/>
-        </p:nvSpPr>
-        <p:spPr>
-          <a:xfrm rot="10800000">
-            <a:off x="4043581" y="2316819"/>
-            <a:ext cx="978408" cy="484632"/>
-          </a:xfrm>
-          <a:prstGeom prst="rightArrow">
-            <a:avLst/>
-          </a:prstGeom>
-        </p:spPr>
-        <p:style>
-          <a:lnRef idx="2">
-            <a:schemeClr val="accent1">
-              <a:shade val="50000"/>
-            </a:schemeClr>
-          </a:lnRef>
-          <a:fillRef idx="1">
-            <a:schemeClr val="accent1"/>
-          </a:fillRef>
-          <a:effectRef idx="0">
-            <a:schemeClr val="accent1"/>
-          </a:effectRef>
-          <a:fontRef idx="minor">
-            <a:schemeClr val="lt1"/>
-          </a:fontRef>
-        </p:style>
-        <p:txBody>
-          <a:bodyPr rtlCol="0" anchor="ctr"/>
-          <a:lstStyle/>
-          <a:p>
-            <a:pPr algn="ctr"/>
-            <a:endParaRPr lang="en-US"/>
-          </a:p>
-        </p:txBody>
-      </p:sp>
       <p:pic>
         <p:nvPicPr>
-          <p:cNvPr id="10" name="Picture 9"/>
-          <p:cNvPicPr>
-            <a:picLocks noChangeAspect="1"/>
-          </p:cNvPicPr>
-          <p:nvPr/>
-        </p:nvPicPr>
-        <p:blipFill>
-          <a:blip r:embed="rId2">
-            <a:extLst>
-              <a:ext uri="{28A0092B-C50C-407E-A947-70E740481C1C}">
-                <a14:useLocalDpi xmlns:a14="http://schemas.microsoft.com/office/drawing/2010/main" val="0"/>
-              </a:ext>
-            </a:extLst>
-          </a:blip>
-          <a:stretch>
-            <a:fillRect/>
-          </a:stretch>
-        </p:blipFill>
-        <p:spPr>
-          <a:xfrm>
-            <a:off x="152399" y="152400"/>
-            <a:ext cx="11905281" cy="5805662"/>
-          </a:xfrm>
-          <a:prstGeom prst="rect">
-            <a:avLst/>
-          </a:prstGeom>
-        </p:spPr>
-      </p:pic>
-      <p:sp>
-        <p:nvSpPr>
-          <p:cNvPr id="13" name="Right Arrow 12"/>
-          <p:cNvSpPr/>
-          <p:nvPr/>
-        </p:nvSpPr>
-        <p:spPr>
-          <a:xfrm rot="10800000">
-            <a:off x="4760848" y="2932578"/>
-            <a:ext cx="978408" cy="484632"/>
-          </a:xfrm>
-          <a:prstGeom prst="rightArrow">
-            <a:avLst/>
-          </a:prstGeom>
-        </p:spPr>
-        <p:style>
-          <a:lnRef idx="2">
-            <a:schemeClr val="accent1">
-              <a:shade val="50000"/>
-            </a:schemeClr>
-          </a:lnRef>
-          <a:fillRef idx="1">
-            <a:schemeClr val="accent1"/>
-          </a:fillRef>
-          <a:effectRef idx="0">
-            <a:schemeClr val="accent1"/>
-          </a:effectRef>
-          <a:fontRef idx="minor">
-            <a:schemeClr val="lt1"/>
-          </a:fontRef>
-        </p:style>
-        <p:txBody>
-          <a:bodyPr rtlCol="0" anchor="ctr"/>
-          <a:lstStyle/>
-          <a:p>
-            <a:pPr algn="ctr"/>
-            <a:endParaRPr lang="en-US"/>
-          </a:p>
-        </p:txBody>
-      </p:sp>
-      <p:sp>
-        <p:nvSpPr>
-          <p:cNvPr id="14" name="Right Arrow 13"/>
-          <p:cNvSpPr/>
-          <p:nvPr/>
-        </p:nvSpPr>
-        <p:spPr>
-          <a:xfrm rot="10800000">
-            <a:off x="4760848" y="2624699"/>
-            <a:ext cx="978408" cy="484632"/>
-          </a:xfrm>
-          <a:prstGeom prst="rightArrow">
-            <a:avLst/>
-          </a:prstGeom>
-        </p:spPr>
-        <p:style>
-          <a:lnRef idx="2">
-            <a:schemeClr val="accent1">
-              <a:shade val="50000"/>
-            </a:schemeClr>
-          </a:lnRef>
-          <a:fillRef idx="1">
-            <a:schemeClr val="accent1"/>
-          </a:fillRef>
-          <a:effectRef idx="0">
-            <a:schemeClr val="accent1"/>
-          </a:effectRef>
-          <a:fontRef idx="minor">
-            <a:schemeClr val="lt1"/>
-          </a:fontRef>
-        </p:style>
-        <p:txBody>
-          <a:bodyPr rtlCol="0" anchor="ctr"/>
-          <a:lstStyle/>
-          <a:p>
-            <a:pPr algn="ctr"/>
-            <a:endParaRPr lang="en-US"/>
-          </a:p>
-        </p:txBody>
-      </p:sp>
-      <p:pic>
-        <p:nvPicPr>
-          <p:cNvPr id="15" name="Picture 14"/>
+          <p:cNvPr id="4" name="Picture 3"/>
           <p:cNvPicPr>
             <a:picLocks noChangeAspect="1"/>
           </p:cNvPicPr>
@@ -4330,40 +4236,88 @@
           </a:prstGeom>
         </p:spPr>
       </p:pic>
-      <p:pic>
-        <p:nvPicPr>
-          <p:cNvPr id="2" name="Picture 1"/>
-          <p:cNvPicPr>
-            <a:picLocks noChangeAspect="1"/>
-          </p:cNvPicPr>
+      <p:sp>
+        <p:nvSpPr>
+          <p:cNvPr id="5" name="TextBox 4"/>
+          <p:cNvSpPr txBox="1"/>
           <p:nvPr/>
-        </p:nvPicPr>
-        <p:blipFill>
-          <a:blip r:embed="rId4">
-            <a:extLst>
-              <a:ext uri="{28A0092B-C50C-407E-A947-70E740481C1C}">
-                <a14:useLocalDpi xmlns:a14="http://schemas.microsoft.com/office/drawing/2010/main" val="0"/>
-              </a:ext>
-            </a:extLst>
-          </a:blip>
-          <a:stretch>
-            <a:fillRect/>
-          </a:stretch>
-        </p:blipFill>
-        <p:spPr>
-          <a:xfrm>
-            <a:off x="283474" y="4572998"/>
-            <a:ext cx="6602938" cy="2174138"/>
+        </p:nvSpPr>
+        <p:spPr>
+          <a:xfrm>
+            <a:off x="5694439" y="2029993"/>
+            <a:ext cx="2652586" cy="707886"/>
           </a:xfrm>
           <a:prstGeom prst="rect">
             <a:avLst/>
           </a:prstGeom>
-        </p:spPr>
-      </p:pic>
+          <a:noFill/>
+        </p:spPr>
+        <p:txBody>
+          <a:bodyPr wrap="none" rtlCol="0">
+            <a:spAutoFit/>
+          </a:bodyPr>
+          <a:lstStyle/>
+          <a:p>
+            <a:r>
+              <a:rPr lang="en-US" sz="4000" dirty="0" smtClean="0">
+                <a:latin typeface="Arial Black" charset="0"/>
+                <a:ea typeface="Arial Black" charset="0"/>
+                <a:cs typeface="Arial Black" charset="0"/>
+              </a:rPr>
+              <a:t>matrices</a:t>
+            </a:r>
+            <a:endParaRPr lang="en-US" sz="4000" dirty="0">
+              <a:latin typeface="Arial Black" charset="0"/>
+              <a:ea typeface="Arial Black" charset="0"/>
+              <a:cs typeface="Arial Black" charset="0"/>
+            </a:endParaRPr>
+          </a:p>
+        </p:txBody>
+      </p:sp>
+      <p:sp>
+        <p:nvSpPr>
+          <p:cNvPr id="6" name="Right Arrow 5"/>
+          <p:cNvSpPr/>
+          <p:nvPr/>
+        </p:nvSpPr>
+        <p:spPr>
+          <a:xfrm rot="10800000">
+            <a:off x="4415791" y="2141620"/>
+            <a:ext cx="978408" cy="484632"/>
+          </a:xfrm>
+          <a:prstGeom prst="rightArrow">
+            <a:avLst/>
+          </a:prstGeom>
+        </p:spPr>
+        <p:style>
+          <a:lnRef idx="2">
+            <a:schemeClr val="accent1">
+              <a:shade val="50000"/>
+            </a:schemeClr>
+          </a:lnRef>
+          <a:fillRef idx="1">
+            <a:schemeClr val="accent1"/>
+          </a:fillRef>
+          <a:effectRef idx="0">
+            <a:schemeClr val="accent1"/>
+          </a:effectRef>
+          <a:fontRef idx="minor">
+            <a:schemeClr val="lt1"/>
+          </a:fontRef>
+        </p:style>
+        <p:txBody>
+          <a:bodyPr rtlCol="0" anchor="ctr"/>
+          <a:lstStyle/>
+          <a:p>
+            <a:pPr algn="ctr"/>
+            <a:endParaRPr lang="en-US"/>
+          </a:p>
+        </p:txBody>
+      </p:sp>
     </p:spTree>
     <p:extLst>
       <p:ext uri="{BB962C8B-B14F-4D97-AF65-F5344CB8AC3E}">
-        <p14:creationId xmlns:p14="http://schemas.microsoft.com/office/powerpoint/2010/main" val="213653369"/>
+        <p14:creationId xmlns:p14="http://schemas.microsoft.com/office/powerpoint/2010/main" val="1689743144"/>
       </p:ext>
     </p:extLst>
   </p:cSld>
@@ -4419,8 +4373,8 @@
         </p:blipFill>
         <p:spPr>
           <a:xfrm>
-            <a:off x="-1" y="0"/>
-            <a:ext cx="12045127" cy="5873858"/>
+            <a:off x="0" y="0"/>
+            <a:ext cx="10287000" cy="5016500"/>
           </a:xfrm>
           <a:prstGeom prst="rect">
             <a:avLst/>
@@ -4435,7 +4389,7 @@
         </p:nvSpPr>
         <p:spPr>
           <a:xfrm rot="10800000">
-            <a:off x="4244064" y="791265"/>
+            <a:off x="4043581" y="2075703"/>
             <a:ext cx="978408" cy="484632"/>
           </a:xfrm>
           <a:prstGeom prst="rightArrow">
@@ -4469,45 +4423,157 @@
       </p:sp>
       <p:sp>
         <p:nvSpPr>
-          <p:cNvPr id="9" name="TextBox 8"/>
-          <p:cNvSpPr txBox="1"/>
+          <p:cNvPr id="7" name="Right Arrow 6"/>
+          <p:cNvSpPr/>
           <p:nvPr/>
         </p:nvSpPr>
         <p:spPr>
-          <a:xfrm>
-            <a:off x="5439678" y="679638"/>
-            <a:ext cx="2833724" cy="707886"/>
-          </a:xfrm>
-          <a:prstGeom prst="rect">
-            <a:avLst/>
-          </a:prstGeom>
-          <a:noFill/>
-        </p:spPr>
-        <p:txBody>
-          <a:bodyPr wrap="none" rtlCol="0">
-            <a:spAutoFit/>
-          </a:bodyPr>
-          <a:lstStyle/>
-          <a:p>
-            <a:r>
-              <a:rPr lang="en-US" sz="4000" dirty="0" smtClean="0">
-                <a:latin typeface="Arial Black" charset="0"/>
-                <a:ea typeface="Arial Black" charset="0"/>
-                <a:cs typeface="Arial Black" charset="0"/>
-              </a:rPr>
-              <a:t>colormap</a:t>
-            </a:r>
-            <a:endParaRPr lang="en-US" sz="4000" dirty="0">
-              <a:latin typeface="Arial Black" charset="0"/>
-              <a:ea typeface="Arial Black" charset="0"/>
-              <a:cs typeface="Arial Black" charset="0"/>
-            </a:endParaRPr>
+          <a:xfrm rot="10800000">
+            <a:off x="4043581" y="2316819"/>
+            <a:ext cx="978408" cy="484632"/>
+          </a:xfrm>
+          <a:prstGeom prst="rightArrow">
+            <a:avLst/>
+          </a:prstGeom>
+        </p:spPr>
+        <p:style>
+          <a:lnRef idx="2">
+            <a:schemeClr val="accent1">
+              <a:shade val="50000"/>
+            </a:schemeClr>
+          </a:lnRef>
+          <a:fillRef idx="1">
+            <a:schemeClr val="accent1"/>
+          </a:fillRef>
+          <a:effectRef idx="0">
+            <a:schemeClr val="accent1"/>
+          </a:effectRef>
+          <a:fontRef idx="minor">
+            <a:schemeClr val="lt1"/>
+          </a:fontRef>
+        </p:style>
+        <p:txBody>
+          <a:bodyPr rtlCol="0" anchor="ctr"/>
+          <a:lstStyle/>
+          <a:p>
+            <a:pPr algn="ctr"/>
+            <a:endParaRPr lang="en-US"/>
           </a:p>
         </p:txBody>
       </p:sp>
       <p:pic>
         <p:nvPicPr>
           <p:cNvPr id="10" name="Picture 9"/>
+          <p:cNvPicPr>
+            <a:picLocks noChangeAspect="1"/>
+          </p:cNvPicPr>
+          <p:nvPr/>
+        </p:nvPicPr>
+        <p:blipFill>
+          <a:blip r:embed="rId2">
+            <a:extLst>
+              <a:ext uri="{28A0092B-C50C-407E-A947-70E740481C1C}">
+                <a14:useLocalDpi xmlns:a14="http://schemas.microsoft.com/office/drawing/2010/main" val="0"/>
+              </a:ext>
+            </a:extLst>
+          </a:blip>
+          <a:stretch>
+            <a:fillRect/>
+          </a:stretch>
+        </p:blipFill>
+        <p:spPr>
+          <a:xfrm>
+            <a:off x="152399" y="152400"/>
+            <a:ext cx="11905281" cy="5805662"/>
+          </a:xfrm>
+          <a:prstGeom prst="rect">
+            <a:avLst/>
+          </a:prstGeom>
+        </p:spPr>
+      </p:pic>
+      <p:sp>
+        <p:nvSpPr>
+          <p:cNvPr id="13" name="Right Arrow 12"/>
+          <p:cNvSpPr/>
+          <p:nvPr/>
+        </p:nvSpPr>
+        <p:spPr>
+          <a:xfrm rot="10800000">
+            <a:off x="4760848" y="2932578"/>
+            <a:ext cx="978408" cy="484632"/>
+          </a:xfrm>
+          <a:prstGeom prst="rightArrow">
+            <a:avLst/>
+          </a:prstGeom>
+        </p:spPr>
+        <p:style>
+          <a:lnRef idx="2">
+            <a:schemeClr val="accent1">
+              <a:shade val="50000"/>
+            </a:schemeClr>
+          </a:lnRef>
+          <a:fillRef idx="1">
+            <a:schemeClr val="accent1"/>
+          </a:fillRef>
+          <a:effectRef idx="0">
+            <a:schemeClr val="accent1"/>
+          </a:effectRef>
+          <a:fontRef idx="minor">
+            <a:schemeClr val="lt1"/>
+          </a:fontRef>
+        </p:style>
+        <p:txBody>
+          <a:bodyPr rtlCol="0" anchor="ctr"/>
+          <a:lstStyle/>
+          <a:p>
+            <a:pPr algn="ctr"/>
+            <a:endParaRPr lang="en-US"/>
+          </a:p>
+        </p:txBody>
+      </p:sp>
+      <p:sp>
+        <p:nvSpPr>
+          <p:cNvPr id="14" name="Right Arrow 13"/>
+          <p:cNvSpPr/>
+          <p:nvPr/>
+        </p:nvSpPr>
+        <p:spPr>
+          <a:xfrm rot="10800000">
+            <a:off x="4760848" y="2624699"/>
+            <a:ext cx="978408" cy="484632"/>
+          </a:xfrm>
+          <a:prstGeom prst="rightArrow">
+            <a:avLst/>
+          </a:prstGeom>
+        </p:spPr>
+        <p:style>
+          <a:lnRef idx="2">
+            <a:schemeClr val="accent1">
+              <a:shade val="50000"/>
+            </a:schemeClr>
+          </a:lnRef>
+          <a:fillRef idx="1">
+            <a:schemeClr val="accent1"/>
+          </a:fillRef>
+          <a:effectRef idx="0">
+            <a:schemeClr val="accent1"/>
+          </a:effectRef>
+          <a:fontRef idx="minor">
+            <a:schemeClr val="lt1"/>
+          </a:fontRef>
+        </p:style>
+        <p:txBody>
+          <a:bodyPr rtlCol="0" anchor="ctr"/>
+          <a:lstStyle/>
+          <a:p>
+            <a:pPr algn="ctr"/>
+            <a:endParaRPr lang="en-US"/>
+          </a:p>
+        </p:txBody>
+      </p:sp>
+      <p:pic>
+        <p:nvPicPr>
+          <p:cNvPr id="15" name="Picture 14"/>
           <p:cNvPicPr>
             <a:picLocks noChangeAspect="1"/>
           </p:cNvPicPr>
@@ -4527,7 +4593,7 @@
         </p:blipFill>
         <p:spPr>
           <a:xfrm>
-            <a:off x="7020732" y="3068514"/>
+            <a:off x="7020732" y="3125811"/>
             <a:ext cx="5171268" cy="3732189"/>
           </a:xfrm>
           <a:prstGeom prst="rect">
@@ -4535,88 +4601,40 @@
           </a:prstGeom>
         </p:spPr>
       </p:pic>
-      <p:sp>
-        <p:nvSpPr>
-          <p:cNvPr id="11" name="Right Arrow 10"/>
-          <p:cNvSpPr/>
+      <p:pic>
+        <p:nvPicPr>
+          <p:cNvPr id="2" name="Picture 1"/>
+          <p:cNvPicPr>
+            <a:picLocks noChangeAspect="1"/>
+          </p:cNvPicPr>
           <p:nvPr/>
-        </p:nvSpPr>
-        <p:spPr>
-          <a:xfrm rot="10800000">
-            <a:off x="6367336" y="3125811"/>
-            <a:ext cx="978408" cy="484632"/>
-          </a:xfrm>
-          <a:prstGeom prst="rightArrow">
-            <a:avLst/>
-          </a:prstGeom>
-        </p:spPr>
-        <p:style>
-          <a:lnRef idx="2">
-            <a:schemeClr val="accent1">
-              <a:shade val="50000"/>
-            </a:schemeClr>
-          </a:lnRef>
-          <a:fillRef idx="1">
-            <a:schemeClr val="accent1"/>
-          </a:fillRef>
-          <a:effectRef idx="0">
-            <a:schemeClr val="accent1"/>
-          </a:effectRef>
-          <a:fontRef idx="minor">
-            <a:schemeClr val="lt1"/>
-          </a:fontRef>
-        </p:style>
-        <p:txBody>
-          <a:bodyPr rtlCol="0" anchor="ctr"/>
-          <a:lstStyle/>
-          <a:p>
-            <a:pPr algn="ctr"/>
-            <a:endParaRPr lang="en-US"/>
-          </a:p>
-        </p:txBody>
-      </p:sp>
-      <p:sp>
-        <p:nvSpPr>
-          <p:cNvPr id="13" name="TextBox 12"/>
-          <p:cNvSpPr txBox="1"/>
-          <p:nvPr/>
-        </p:nvSpPr>
-        <p:spPr>
-          <a:xfrm>
-            <a:off x="7482871" y="2936929"/>
-            <a:ext cx="2833724" cy="707886"/>
+        </p:nvPicPr>
+        <p:blipFill>
+          <a:blip r:embed="rId4">
+            <a:extLst>
+              <a:ext uri="{28A0092B-C50C-407E-A947-70E740481C1C}">
+                <a14:useLocalDpi xmlns:a14="http://schemas.microsoft.com/office/drawing/2010/main" val="0"/>
+              </a:ext>
+            </a:extLst>
+          </a:blip>
+          <a:stretch>
+            <a:fillRect/>
+          </a:stretch>
+        </p:blipFill>
+        <p:spPr>
+          <a:xfrm>
+            <a:off x="283474" y="4572998"/>
+            <a:ext cx="6602938" cy="2174138"/>
           </a:xfrm>
           <a:prstGeom prst="rect">
             <a:avLst/>
           </a:prstGeom>
-          <a:noFill/>
-        </p:spPr>
-        <p:txBody>
-          <a:bodyPr wrap="none" rtlCol="0">
-            <a:spAutoFit/>
-          </a:bodyPr>
-          <a:lstStyle/>
-          <a:p>
-            <a:r>
-              <a:rPr lang="en-US" sz="4000" dirty="0" smtClean="0">
-                <a:latin typeface="Arial Black" charset="0"/>
-                <a:ea typeface="Arial Black" charset="0"/>
-                <a:cs typeface="Arial Black" charset="0"/>
-              </a:rPr>
-              <a:t>colormap</a:t>
-            </a:r>
-            <a:endParaRPr lang="en-US" sz="4000" dirty="0">
-              <a:latin typeface="Arial Black" charset="0"/>
-              <a:ea typeface="Arial Black" charset="0"/>
-              <a:cs typeface="Arial Black" charset="0"/>
-            </a:endParaRPr>
-          </a:p>
-        </p:txBody>
-      </p:sp>
+        </p:spPr>
+      </p:pic>
     </p:spTree>
     <p:extLst>
       <p:ext uri="{BB962C8B-B14F-4D97-AF65-F5344CB8AC3E}">
-        <p14:creationId xmlns:p14="http://schemas.microsoft.com/office/powerpoint/2010/main" val="1152191137"/>
+        <p14:creationId xmlns:p14="http://schemas.microsoft.com/office/powerpoint/2010/main" val="213653369"/>
       </p:ext>
     </p:extLst>
   </p:cSld>
@@ -4672,8 +4690,8 @@
         </p:blipFill>
         <p:spPr>
           <a:xfrm>
-            <a:off x="0" y="-1"/>
-            <a:ext cx="12059728" cy="5872565"/>
+            <a:off x="-1" y="0"/>
+            <a:ext cx="12045127" cy="5873858"/>
           </a:xfrm>
           <a:prstGeom prst="rect">
             <a:avLst/>
@@ -4682,13 +4700,13 @@
       </p:pic>
       <p:sp>
         <p:nvSpPr>
-          <p:cNvPr id="7" name="Right Arrow 6"/>
+          <p:cNvPr id="4" name="Right Arrow 3"/>
           <p:cNvSpPr/>
           <p:nvPr/>
         </p:nvSpPr>
         <p:spPr>
           <a:xfrm rot="10800000">
-            <a:off x="5728068" y="3790806"/>
+            <a:off x="4244064" y="791265"/>
             <a:ext cx="978408" cy="484632"/>
           </a:xfrm>
           <a:prstGeom prst="rightArrow">
@@ -4720,9 +4738,47 @@
           </a:p>
         </p:txBody>
       </p:sp>
+      <p:sp>
+        <p:nvSpPr>
+          <p:cNvPr id="9" name="TextBox 8"/>
+          <p:cNvSpPr txBox="1"/>
+          <p:nvPr/>
+        </p:nvSpPr>
+        <p:spPr>
+          <a:xfrm>
+            <a:off x="5439678" y="679638"/>
+            <a:ext cx="2833724" cy="707886"/>
+          </a:xfrm>
+          <a:prstGeom prst="rect">
+            <a:avLst/>
+          </a:prstGeom>
+          <a:noFill/>
+        </p:spPr>
+        <p:txBody>
+          <a:bodyPr wrap="none" rtlCol="0">
+            <a:spAutoFit/>
+          </a:bodyPr>
+          <a:lstStyle/>
+          <a:p>
+            <a:r>
+              <a:rPr lang="en-US" sz="4000" dirty="0" smtClean="0">
+                <a:latin typeface="Arial Black" charset="0"/>
+                <a:ea typeface="Arial Black" charset="0"/>
+                <a:cs typeface="Arial Black" charset="0"/>
+              </a:rPr>
+              <a:t>colormap</a:t>
+            </a:r>
+            <a:endParaRPr lang="en-US" sz="4000" dirty="0">
+              <a:latin typeface="Arial Black" charset="0"/>
+              <a:ea typeface="Arial Black" charset="0"/>
+              <a:cs typeface="Arial Black" charset="0"/>
+            </a:endParaRPr>
+          </a:p>
+        </p:txBody>
+      </p:sp>
       <p:pic>
         <p:nvPicPr>
-          <p:cNvPr id="8" name="Picture 7"/>
+          <p:cNvPr id="10" name="Picture 9"/>
           <p:cNvPicPr>
             <a:picLocks noChangeAspect="1"/>
           </p:cNvPicPr>
@@ -4742,7 +4798,7 @@
         </p:blipFill>
         <p:spPr>
           <a:xfrm>
-            <a:off x="7020732" y="3125811"/>
+            <a:off x="7020732" y="3068514"/>
             <a:ext cx="5171268" cy="3732189"/>
           </a:xfrm>
           <a:prstGeom prst="rect">
@@ -4750,76 +4806,56 @@
           </a:prstGeom>
         </p:spPr>
       </p:pic>
-      <p:pic>
-        <p:nvPicPr>
-          <p:cNvPr id="9" name="Picture 8"/>
-          <p:cNvPicPr>
-            <a:picLocks noChangeAspect="1"/>
-          </p:cNvPicPr>
+      <p:sp>
+        <p:nvSpPr>
+          <p:cNvPr id="11" name="Right Arrow 10"/>
+          <p:cNvSpPr/>
           <p:nvPr/>
-        </p:nvPicPr>
-        <p:blipFill>
-          <a:blip r:embed="rId4">
-            <a:extLst>
-              <a:ext uri="{28A0092B-C50C-407E-A947-70E740481C1C}">
-                <a14:useLocalDpi xmlns:a14="http://schemas.microsoft.com/office/drawing/2010/main" val="0"/>
-              </a:ext>
-            </a:extLst>
-          </a:blip>
-          <a:stretch>
-            <a:fillRect/>
-          </a:stretch>
-        </p:blipFill>
-        <p:spPr>
-          <a:xfrm>
-            <a:off x="0" y="4696343"/>
-            <a:ext cx="12192000" cy="975842"/>
-          </a:xfrm>
-          <a:prstGeom prst="rect">
-            <a:avLst/>
-          </a:prstGeom>
-        </p:spPr>
-      </p:pic>
-      <p:pic>
-        <p:nvPicPr>
-          <p:cNvPr id="11" name="Picture 10"/>
-          <p:cNvPicPr>
-            <a:picLocks noChangeAspect="1"/>
-          </p:cNvPicPr>
-          <p:nvPr/>
-        </p:nvPicPr>
-        <p:blipFill>
-          <a:blip r:embed="rId5">
-            <a:extLst>
-              <a:ext uri="{28A0092B-C50C-407E-A947-70E740481C1C}">
-                <a14:useLocalDpi xmlns:a14="http://schemas.microsoft.com/office/drawing/2010/main" val="0"/>
-              </a:ext>
-            </a:extLst>
-          </a:blip>
-          <a:stretch>
-            <a:fillRect/>
-          </a:stretch>
-        </p:blipFill>
-        <p:spPr>
-          <a:xfrm>
-            <a:off x="-2" y="5672185"/>
-            <a:ext cx="12192000" cy="1079614"/>
-          </a:xfrm>
-          <a:prstGeom prst="rect">
-            <a:avLst/>
-          </a:prstGeom>
-        </p:spPr>
-      </p:pic>
-      <p:sp>
-        <p:nvSpPr>
-          <p:cNvPr id="2" name="TextBox 1"/>
+        </p:nvSpPr>
+        <p:spPr>
+          <a:xfrm rot="10800000">
+            <a:off x="6367336" y="3125811"/>
+            <a:ext cx="978408" cy="484632"/>
+          </a:xfrm>
+          <a:prstGeom prst="rightArrow">
+            <a:avLst/>
+          </a:prstGeom>
+        </p:spPr>
+        <p:style>
+          <a:lnRef idx="2">
+            <a:schemeClr val="accent1">
+              <a:shade val="50000"/>
+            </a:schemeClr>
+          </a:lnRef>
+          <a:fillRef idx="1">
+            <a:schemeClr val="accent1"/>
+          </a:fillRef>
+          <a:effectRef idx="0">
+            <a:schemeClr val="accent1"/>
+          </a:effectRef>
+          <a:fontRef idx="minor">
+            <a:schemeClr val="lt1"/>
+          </a:fontRef>
+        </p:style>
+        <p:txBody>
+          <a:bodyPr rtlCol="0" anchor="ctr"/>
+          <a:lstStyle/>
+          <a:p>
+            <a:pPr algn="ctr"/>
+            <a:endParaRPr lang="en-US"/>
+          </a:p>
+        </p:txBody>
+      </p:sp>
+      <p:sp>
+        <p:nvSpPr>
+          <p:cNvPr id="13" name="TextBox 12"/>
           <p:cNvSpPr txBox="1"/>
           <p:nvPr/>
         </p:nvSpPr>
         <p:spPr>
           <a:xfrm>
-            <a:off x="9420045" y="5171288"/>
-            <a:ext cx="1982017" cy="400110"/>
+            <a:off x="7482871" y="2936929"/>
+            <a:ext cx="2833724" cy="707886"/>
           </a:xfrm>
           <a:prstGeom prst="rect">
             <a:avLst/>
@@ -4833,15 +4869,14 @@
           <a:lstStyle/>
           <a:p>
             <a:r>
-              <a:rPr lang="en-US" sz="2000" dirty="0" smtClean="0">
+              <a:rPr lang="en-US" sz="4000" dirty="0" smtClean="0">
                 <a:latin typeface="Arial Black" charset="0"/>
                 <a:ea typeface="Arial Black" charset="0"/>
                 <a:cs typeface="Arial Black" charset="0"/>
-                <a:hlinkClick r:id="rId6"/>
               </a:rPr>
-              <a:t>stakoverflow</a:t>
-            </a:r>
-            <a:endParaRPr lang="en-US" sz="2000" dirty="0">
+              <a:t>colormap</a:t>
+            </a:r>
+            <a:endParaRPr lang="en-US" sz="4000" dirty="0">
               <a:latin typeface="Arial Black" charset="0"/>
               <a:ea typeface="Arial Black" charset="0"/>
               <a:cs typeface="Arial Black" charset="0"/>
@@ -4849,49 +4884,10 @@
           </a:p>
         </p:txBody>
       </p:sp>
-      <p:sp>
-        <p:nvSpPr>
-          <p:cNvPr id="4" name="TextBox 3"/>
-          <p:cNvSpPr txBox="1"/>
-          <p:nvPr/>
-        </p:nvSpPr>
-        <p:spPr>
-          <a:xfrm>
-            <a:off x="9606366" y="6404790"/>
-            <a:ext cx="768159" cy="400110"/>
-          </a:xfrm>
-          <a:prstGeom prst="rect">
-            <a:avLst/>
-          </a:prstGeom>
-          <a:noFill/>
-        </p:spPr>
-        <p:txBody>
-          <a:bodyPr wrap="none" rtlCol="0">
-            <a:spAutoFit/>
-          </a:bodyPr>
-          <a:lstStyle/>
-          <a:p>
-            <a:r>
-              <a:rPr lang="en-US" sz="2000" dirty="0" smtClean="0">
-                <a:latin typeface="Arial Black" charset="0"/>
-                <a:ea typeface="Arial Black" charset="0"/>
-                <a:cs typeface="Arial Black" charset="0"/>
-                <a:hlinkClick r:id="rId7"/>
-              </a:rPr>
-              <a:t>wiki</a:t>
-            </a:r>
-            <a:endParaRPr lang="en-US" sz="2000" dirty="0">
-              <a:latin typeface="Arial Black" charset="0"/>
-              <a:ea typeface="Arial Black" charset="0"/>
-              <a:cs typeface="Arial Black" charset="0"/>
-            </a:endParaRPr>
-          </a:p>
-        </p:txBody>
-      </p:sp>
     </p:spTree>
     <p:extLst>
       <p:ext uri="{BB962C8B-B14F-4D97-AF65-F5344CB8AC3E}">
-        <p14:creationId xmlns:p14="http://schemas.microsoft.com/office/powerpoint/2010/main" val="820085486"/>
+        <p14:creationId xmlns:p14="http://schemas.microsoft.com/office/powerpoint/2010/main" val="1152191137"/>
       </p:ext>
     </p:extLst>
   </p:cSld>
@@ -4925,48 +4921,9 @@
           <a:chExt cx="0" cy="0"/>
         </a:xfrm>
       </p:grpSpPr>
-      <p:sp>
-        <p:nvSpPr>
-          <p:cNvPr id="3" name="TextBox 2"/>
-          <p:cNvSpPr txBox="1"/>
-          <p:nvPr/>
-        </p:nvSpPr>
-        <p:spPr>
-          <a:xfrm>
-            <a:off x="301226" y="292558"/>
-            <a:ext cx="3860352" cy="1015663"/>
-          </a:xfrm>
-          <a:prstGeom prst="rect">
-            <a:avLst/>
-          </a:prstGeom>
-          <a:noFill/>
-        </p:spPr>
-        <p:txBody>
-          <a:bodyPr wrap="none" rtlCol="0">
-            <a:spAutoFit/>
-          </a:bodyPr>
-          <a:lstStyle/>
-          <a:p>
-            <a:pPr algn="ctr"/>
-            <a:r>
-              <a:rPr lang="en-US" sz="6000" smtClean="0">
-                <a:latin typeface="Arial Black" charset="0"/>
-                <a:ea typeface="Arial Black" charset="0"/>
-                <a:cs typeface="Arial Black" charset="0"/>
-              </a:rPr>
-              <a:t>Exercise</a:t>
-            </a:r>
-            <a:endParaRPr lang="en-US" sz="6000" dirty="0">
-              <a:latin typeface="Arial Black" charset="0"/>
-              <a:ea typeface="Arial Black" charset="0"/>
-              <a:cs typeface="Arial Black" charset="0"/>
-            </a:endParaRPr>
-          </a:p>
-        </p:txBody>
-      </p:sp>
       <p:pic>
         <p:nvPicPr>
-          <p:cNvPr id="4" name="Picture 3"/>
+          <p:cNvPr id="3" name="Picture 2"/>
           <p:cNvPicPr>
             <a:picLocks noChangeAspect="1"/>
           </p:cNvPicPr>
@@ -4986,18 +4943,226 @@
         </p:blipFill>
         <p:spPr>
           <a:xfrm>
-            <a:off x="301226" y="2131923"/>
-            <a:ext cx="11870765" cy="3509753"/>
+            <a:off x="0" y="-1"/>
+            <a:ext cx="12059728" cy="5872565"/>
           </a:xfrm>
           <a:prstGeom prst="rect">
             <a:avLst/>
           </a:prstGeom>
         </p:spPr>
       </p:pic>
+      <p:sp>
+        <p:nvSpPr>
+          <p:cNvPr id="7" name="Right Arrow 6"/>
+          <p:cNvSpPr/>
+          <p:nvPr/>
+        </p:nvSpPr>
+        <p:spPr>
+          <a:xfrm rot="10800000">
+            <a:off x="5728068" y="3790806"/>
+            <a:ext cx="978408" cy="484632"/>
+          </a:xfrm>
+          <a:prstGeom prst="rightArrow">
+            <a:avLst/>
+          </a:prstGeom>
+        </p:spPr>
+        <p:style>
+          <a:lnRef idx="2">
+            <a:schemeClr val="accent1">
+              <a:shade val="50000"/>
+            </a:schemeClr>
+          </a:lnRef>
+          <a:fillRef idx="1">
+            <a:schemeClr val="accent1"/>
+          </a:fillRef>
+          <a:effectRef idx="0">
+            <a:schemeClr val="accent1"/>
+          </a:effectRef>
+          <a:fontRef idx="minor">
+            <a:schemeClr val="lt1"/>
+          </a:fontRef>
+        </p:style>
+        <p:txBody>
+          <a:bodyPr rtlCol="0" anchor="ctr"/>
+          <a:lstStyle/>
+          <a:p>
+            <a:pPr algn="ctr"/>
+            <a:endParaRPr lang="en-US"/>
+          </a:p>
+        </p:txBody>
+      </p:sp>
+      <p:pic>
+        <p:nvPicPr>
+          <p:cNvPr id="8" name="Picture 7"/>
+          <p:cNvPicPr>
+            <a:picLocks noChangeAspect="1"/>
+          </p:cNvPicPr>
+          <p:nvPr/>
+        </p:nvPicPr>
+        <p:blipFill>
+          <a:blip r:embed="rId3">
+            <a:extLst>
+              <a:ext uri="{28A0092B-C50C-407E-A947-70E740481C1C}">
+                <a14:useLocalDpi xmlns:a14="http://schemas.microsoft.com/office/drawing/2010/main" val="0"/>
+              </a:ext>
+            </a:extLst>
+          </a:blip>
+          <a:stretch>
+            <a:fillRect/>
+          </a:stretch>
+        </p:blipFill>
+        <p:spPr>
+          <a:xfrm>
+            <a:off x="7020732" y="3125811"/>
+            <a:ext cx="5171268" cy="3732189"/>
+          </a:xfrm>
+          <a:prstGeom prst="rect">
+            <a:avLst/>
+          </a:prstGeom>
+        </p:spPr>
+      </p:pic>
+      <p:pic>
+        <p:nvPicPr>
+          <p:cNvPr id="9" name="Picture 8"/>
+          <p:cNvPicPr>
+            <a:picLocks noChangeAspect="1"/>
+          </p:cNvPicPr>
+          <p:nvPr/>
+        </p:nvPicPr>
+        <p:blipFill>
+          <a:blip r:embed="rId4">
+            <a:extLst>
+              <a:ext uri="{28A0092B-C50C-407E-A947-70E740481C1C}">
+                <a14:useLocalDpi xmlns:a14="http://schemas.microsoft.com/office/drawing/2010/main" val="0"/>
+              </a:ext>
+            </a:extLst>
+          </a:blip>
+          <a:stretch>
+            <a:fillRect/>
+          </a:stretch>
+        </p:blipFill>
+        <p:spPr>
+          <a:xfrm>
+            <a:off x="0" y="4696343"/>
+            <a:ext cx="12192000" cy="975842"/>
+          </a:xfrm>
+          <a:prstGeom prst="rect">
+            <a:avLst/>
+          </a:prstGeom>
+        </p:spPr>
+      </p:pic>
+      <p:pic>
+        <p:nvPicPr>
+          <p:cNvPr id="11" name="Picture 10"/>
+          <p:cNvPicPr>
+            <a:picLocks noChangeAspect="1"/>
+          </p:cNvPicPr>
+          <p:nvPr/>
+        </p:nvPicPr>
+        <p:blipFill>
+          <a:blip r:embed="rId5">
+            <a:extLst>
+              <a:ext uri="{28A0092B-C50C-407E-A947-70E740481C1C}">
+                <a14:useLocalDpi xmlns:a14="http://schemas.microsoft.com/office/drawing/2010/main" val="0"/>
+              </a:ext>
+            </a:extLst>
+          </a:blip>
+          <a:stretch>
+            <a:fillRect/>
+          </a:stretch>
+        </p:blipFill>
+        <p:spPr>
+          <a:xfrm>
+            <a:off x="-2" y="5672185"/>
+            <a:ext cx="12192000" cy="1079614"/>
+          </a:xfrm>
+          <a:prstGeom prst="rect">
+            <a:avLst/>
+          </a:prstGeom>
+        </p:spPr>
+      </p:pic>
+      <p:sp>
+        <p:nvSpPr>
+          <p:cNvPr id="2" name="TextBox 1"/>
+          <p:cNvSpPr txBox="1"/>
+          <p:nvPr/>
+        </p:nvSpPr>
+        <p:spPr>
+          <a:xfrm>
+            <a:off x="9420045" y="5171288"/>
+            <a:ext cx="1982017" cy="400110"/>
+          </a:xfrm>
+          <a:prstGeom prst="rect">
+            <a:avLst/>
+          </a:prstGeom>
+          <a:noFill/>
+        </p:spPr>
+        <p:txBody>
+          <a:bodyPr wrap="none" rtlCol="0">
+            <a:spAutoFit/>
+          </a:bodyPr>
+          <a:lstStyle/>
+          <a:p>
+            <a:r>
+              <a:rPr lang="en-US" sz="2000" dirty="0" smtClean="0">
+                <a:latin typeface="Arial Black" charset="0"/>
+                <a:ea typeface="Arial Black" charset="0"/>
+                <a:cs typeface="Arial Black" charset="0"/>
+                <a:hlinkClick r:id="rId6"/>
+              </a:rPr>
+              <a:t>stakoverflow</a:t>
+            </a:r>
+            <a:endParaRPr lang="en-US" sz="2000" dirty="0">
+              <a:latin typeface="Arial Black" charset="0"/>
+              <a:ea typeface="Arial Black" charset="0"/>
+              <a:cs typeface="Arial Black" charset="0"/>
+            </a:endParaRPr>
+          </a:p>
+        </p:txBody>
+      </p:sp>
+      <p:sp>
+        <p:nvSpPr>
+          <p:cNvPr id="4" name="TextBox 3"/>
+          <p:cNvSpPr txBox="1"/>
+          <p:nvPr/>
+        </p:nvSpPr>
+        <p:spPr>
+          <a:xfrm>
+            <a:off x="9606366" y="6404790"/>
+            <a:ext cx="768159" cy="400110"/>
+          </a:xfrm>
+          <a:prstGeom prst="rect">
+            <a:avLst/>
+          </a:prstGeom>
+          <a:noFill/>
+        </p:spPr>
+        <p:txBody>
+          <a:bodyPr wrap="none" rtlCol="0">
+            <a:spAutoFit/>
+          </a:bodyPr>
+          <a:lstStyle/>
+          <a:p>
+            <a:r>
+              <a:rPr lang="en-US" sz="2000" dirty="0" smtClean="0">
+                <a:latin typeface="Arial Black" charset="0"/>
+                <a:ea typeface="Arial Black" charset="0"/>
+                <a:cs typeface="Arial Black" charset="0"/>
+                <a:hlinkClick r:id="rId7"/>
+              </a:rPr>
+              <a:t>wiki</a:t>
+            </a:r>
+            <a:endParaRPr lang="en-US" sz="2000" dirty="0">
+              <a:latin typeface="Arial Black" charset="0"/>
+              <a:ea typeface="Arial Black" charset="0"/>
+              <a:cs typeface="Arial Black" charset="0"/>
+            </a:endParaRPr>
+          </a:p>
+        </p:txBody>
+      </p:sp>
     </p:spTree>
     <p:extLst>
       <p:ext uri="{BB962C8B-B14F-4D97-AF65-F5344CB8AC3E}">
-        <p14:creationId xmlns:p14="http://schemas.microsoft.com/office/powerpoint/2010/main" val="408030675"/>
+        <p14:creationId xmlns:p14="http://schemas.microsoft.com/office/powerpoint/2010/main" val="820085486"/>
       </p:ext>
     </p:extLst>
   </p:cSld>
@@ -5039,8 +5204,8 @@
         </p:nvSpPr>
         <p:spPr>
           <a:xfrm>
-            <a:off x="1883799" y="1640911"/>
-            <a:ext cx="8754321" cy="2862322"/>
+            <a:off x="301226" y="292558"/>
+            <a:ext cx="3860352" cy="1015663"/>
           </a:xfrm>
           <a:prstGeom prst="rect">
             <a:avLst/>
@@ -5055,31 +5220,118 @@
           <a:p>
             <a:pPr algn="ctr"/>
             <a:r>
-              <a:rPr lang="en-US" sz="6000" dirty="0" smtClean="0">
+              <a:rPr lang="en-US" sz="6000" smtClean="0">
                 <a:latin typeface="Arial Black" charset="0"/>
                 <a:ea typeface="Arial Black" charset="0"/>
                 <a:cs typeface="Arial Black" charset="0"/>
               </a:rPr>
-              <a:t>Now</a:t>
-            </a:r>
-          </a:p>
-          <a:p>
-            <a:pPr algn="ctr"/>
+              <a:t>Exercise</a:t>
+            </a:r>
             <a:endParaRPr lang="en-US" sz="6000" dirty="0">
               <a:latin typeface="Arial Black" charset="0"/>
               <a:ea typeface="Arial Black" charset="0"/>
               <a:cs typeface="Arial Black" charset="0"/>
             </a:endParaRPr>
           </a:p>
+        </p:txBody>
+      </p:sp>
+      <p:pic>
+        <p:nvPicPr>
+          <p:cNvPr id="4" name="Picture 3"/>
+          <p:cNvPicPr>
+            <a:picLocks noChangeAspect="1"/>
+          </p:cNvPicPr>
+          <p:nvPr/>
+        </p:nvPicPr>
+        <p:blipFill>
+          <a:blip r:embed="rId2">
+            <a:extLst>
+              <a:ext uri="{28A0092B-C50C-407E-A947-70E740481C1C}">
+                <a14:useLocalDpi xmlns:a14="http://schemas.microsoft.com/office/drawing/2010/main" val="0"/>
+              </a:ext>
+            </a:extLst>
+          </a:blip>
+          <a:stretch>
+            <a:fillRect/>
+          </a:stretch>
+        </p:blipFill>
+        <p:spPr>
+          <a:xfrm>
+            <a:off x="301226" y="2131923"/>
+            <a:ext cx="11870765" cy="3509753"/>
+          </a:xfrm>
+          <a:prstGeom prst="rect">
+            <a:avLst/>
+          </a:prstGeom>
+        </p:spPr>
+      </p:pic>
+    </p:spTree>
+    <p:extLst>
+      <p:ext uri="{BB962C8B-B14F-4D97-AF65-F5344CB8AC3E}">
+        <p14:creationId xmlns:p14="http://schemas.microsoft.com/office/powerpoint/2010/main" val="408030675"/>
+      </p:ext>
+    </p:extLst>
+  </p:cSld>
+  <p:clrMapOvr>
+    <a:masterClrMapping/>
+  </p:clrMapOvr>
+  <p:timing>
+    <p:tnLst>
+      <p:par>
+        <p:cTn id="1" dur="indefinite" restart="never" nodeType="tmRoot"/>
+      </p:par>
+    </p:tnLst>
+  </p:timing>
+</p:sld>
+</file>
+
+<file path=ppt/slides/slide19.xml><?xml version="1.0" encoding="utf-8"?>
+<p:sld xmlns:a="http://schemas.openxmlformats.org/drawingml/2006/main" xmlns:r="http://schemas.openxmlformats.org/officeDocument/2006/relationships" xmlns:p="http://schemas.openxmlformats.org/presentationml/2006/main">
+  <p:cSld>
+    <p:spTree>
+      <p:nvGrpSpPr>
+        <p:cNvPr id="1" name=""/>
+        <p:cNvGrpSpPr/>
+        <p:nvPr/>
+      </p:nvGrpSpPr>
+      <p:grpSpPr>
+        <a:xfrm>
+          <a:off x="0" y="0"/>
+          <a:ext cx="0" cy="0"/>
+          <a:chOff x="0" y="0"/>
+          <a:chExt cx="0" cy="0"/>
+        </a:xfrm>
+      </p:grpSpPr>
+      <p:sp>
+        <p:nvSpPr>
+          <p:cNvPr id="3" name="TextBox 2"/>
+          <p:cNvSpPr txBox="1"/>
+          <p:nvPr/>
+        </p:nvSpPr>
+        <p:spPr>
+          <a:xfrm>
+            <a:off x="301226" y="292558"/>
+            <a:ext cx="3860352" cy="1015663"/>
+          </a:xfrm>
+          <a:prstGeom prst="rect">
+            <a:avLst/>
+          </a:prstGeom>
+          <a:noFill/>
+        </p:spPr>
+        <p:txBody>
+          <a:bodyPr wrap="none" rtlCol="0">
+            <a:spAutoFit/>
+          </a:bodyPr>
+          <a:lstStyle/>
           <a:p>
             <a:pPr algn="ctr"/>
             <a:r>
-              <a:rPr lang="en-US" sz="6000" dirty="0" smtClean="0">
+              <a:rPr lang="en-US" sz="6000" smtClean="0">
                 <a:latin typeface="Arial Black" charset="0"/>
                 <a:ea typeface="Arial Black" charset="0"/>
                 <a:cs typeface="Arial Black" charset="0"/>
               </a:rPr>
-              <a:t>Let’s Play with Code</a:t>
+              <a:t>Exercise</a:t>
             </a:r>
             <a:endParaRPr lang="en-US" sz="6000" dirty="0">
               <a:latin typeface="Arial Black" charset="0"/>
@@ -5089,10 +5341,70 @@
           </a:p>
         </p:txBody>
       </p:sp>
+      <p:pic>
+        <p:nvPicPr>
+          <p:cNvPr id="2" name="Picture 1"/>
+          <p:cNvPicPr>
+            <a:picLocks noChangeAspect="1"/>
+          </p:cNvPicPr>
+          <p:nvPr/>
+        </p:nvPicPr>
+        <p:blipFill>
+          <a:blip r:embed="rId2">
+            <a:extLst>
+              <a:ext uri="{28A0092B-C50C-407E-A947-70E740481C1C}">
+                <a14:useLocalDpi xmlns:a14="http://schemas.microsoft.com/office/drawing/2010/main" val="0"/>
+              </a:ext>
+            </a:extLst>
+          </a:blip>
+          <a:stretch>
+            <a:fillRect/>
+          </a:stretch>
+        </p:blipFill>
+        <p:spPr>
+          <a:xfrm>
+            <a:off x="301226" y="1750922"/>
+            <a:ext cx="11890774" cy="2010311"/>
+          </a:xfrm>
+          <a:prstGeom prst="rect">
+            <a:avLst/>
+          </a:prstGeom>
+        </p:spPr>
+      </p:pic>
+      <p:pic>
+        <p:nvPicPr>
+          <p:cNvPr id="5" name="Picture 4"/>
+          <p:cNvPicPr>
+            <a:picLocks noChangeAspect="1"/>
+          </p:cNvPicPr>
+          <p:nvPr/>
+        </p:nvPicPr>
+        <p:blipFill>
+          <a:blip r:embed="rId3">
+            <a:extLst>
+              <a:ext uri="{28A0092B-C50C-407E-A947-70E740481C1C}">
+                <a14:useLocalDpi xmlns:a14="http://schemas.microsoft.com/office/drawing/2010/main" val="0"/>
+              </a:ext>
+            </a:extLst>
+          </a:blip>
+          <a:stretch>
+            <a:fillRect/>
+          </a:stretch>
+        </p:blipFill>
+        <p:spPr>
+          <a:xfrm>
+            <a:off x="8199035" y="4005139"/>
+            <a:ext cx="3992965" cy="2852861"/>
+          </a:xfrm>
+          <a:prstGeom prst="rect">
+            <a:avLst/>
+          </a:prstGeom>
+        </p:spPr>
+      </p:pic>
     </p:spTree>
     <p:extLst>
       <p:ext uri="{BB962C8B-B14F-4D97-AF65-F5344CB8AC3E}">
-        <p14:creationId xmlns:p14="http://schemas.microsoft.com/office/powerpoint/2010/main" val="893356335"/>
+        <p14:creationId xmlns:p14="http://schemas.microsoft.com/office/powerpoint/2010/main" val="1535290145"/>
       </p:ext>
     </p:extLst>
   </p:cSld>
@@ -5219,6 +5531,101 @@
     <p:extLst>
       <p:ext uri="{BB962C8B-B14F-4D97-AF65-F5344CB8AC3E}">
         <p14:creationId xmlns:p14="http://schemas.microsoft.com/office/powerpoint/2010/main" val="1997661567"/>
+      </p:ext>
+    </p:extLst>
+  </p:cSld>
+  <p:clrMapOvr>
+    <a:masterClrMapping/>
+  </p:clrMapOvr>
+  <p:timing>
+    <p:tnLst>
+      <p:par>
+        <p:cTn id="1" dur="indefinite" restart="never" nodeType="tmRoot"/>
+      </p:par>
+    </p:tnLst>
+  </p:timing>
+</p:sld>
+</file>
+
+<file path=ppt/slides/slide20.xml><?xml version="1.0" encoding="utf-8"?>
+<p:sld xmlns:a="http://schemas.openxmlformats.org/drawingml/2006/main" xmlns:r="http://schemas.openxmlformats.org/officeDocument/2006/relationships" xmlns:p="http://schemas.openxmlformats.org/presentationml/2006/main">
+  <p:cSld>
+    <p:spTree>
+      <p:nvGrpSpPr>
+        <p:cNvPr id="1" name=""/>
+        <p:cNvGrpSpPr/>
+        <p:nvPr/>
+      </p:nvGrpSpPr>
+      <p:grpSpPr>
+        <a:xfrm>
+          <a:off x="0" y="0"/>
+          <a:ext cx="0" cy="0"/>
+          <a:chOff x="0" y="0"/>
+          <a:chExt cx="0" cy="0"/>
+        </a:xfrm>
+      </p:grpSpPr>
+      <p:sp>
+        <p:nvSpPr>
+          <p:cNvPr id="3" name="TextBox 2"/>
+          <p:cNvSpPr txBox="1"/>
+          <p:nvPr/>
+        </p:nvSpPr>
+        <p:spPr>
+          <a:xfrm>
+            <a:off x="1883799" y="1640911"/>
+            <a:ext cx="8754321" cy="2862322"/>
+          </a:xfrm>
+          <a:prstGeom prst="rect">
+            <a:avLst/>
+          </a:prstGeom>
+          <a:noFill/>
+        </p:spPr>
+        <p:txBody>
+          <a:bodyPr wrap="none" rtlCol="0">
+            <a:spAutoFit/>
+          </a:bodyPr>
+          <a:lstStyle/>
+          <a:p>
+            <a:pPr algn="ctr"/>
+            <a:r>
+              <a:rPr lang="en-US" sz="6000" dirty="0" smtClean="0">
+                <a:latin typeface="Arial Black" charset="0"/>
+                <a:ea typeface="Arial Black" charset="0"/>
+                <a:cs typeface="Arial Black" charset="0"/>
+              </a:rPr>
+              <a:t>Now</a:t>
+            </a:r>
+          </a:p>
+          <a:p>
+            <a:pPr algn="ctr"/>
+            <a:endParaRPr lang="en-US" sz="6000" dirty="0">
+              <a:latin typeface="Arial Black" charset="0"/>
+              <a:ea typeface="Arial Black" charset="0"/>
+              <a:cs typeface="Arial Black" charset="0"/>
+            </a:endParaRPr>
+          </a:p>
+          <a:p>
+            <a:pPr algn="ctr"/>
+            <a:r>
+              <a:rPr lang="en-US" sz="6000" dirty="0" smtClean="0">
+                <a:latin typeface="Arial Black" charset="0"/>
+                <a:ea typeface="Arial Black" charset="0"/>
+                <a:cs typeface="Arial Black" charset="0"/>
+              </a:rPr>
+              <a:t>Let’s Play with Code</a:t>
+            </a:r>
+            <a:endParaRPr lang="en-US" sz="6000" dirty="0">
+              <a:latin typeface="Arial Black" charset="0"/>
+              <a:ea typeface="Arial Black" charset="0"/>
+              <a:cs typeface="Arial Black" charset="0"/>
+            </a:endParaRPr>
+          </a:p>
+        </p:txBody>
+      </p:sp>
+    </p:spTree>
+    <p:extLst>
+      <p:ext uri="{BB962C8B-B14F-4D97-AF65-F5344CB8AC3E}">
+        <p14:creationId xmlns:p14="http://schemas.microsoft.com/office/powerpoint/2010/main" val="893356335"/>
       </p:ext>
     </p:extLst>
   </p:cSld>

--- a/2차원 표준정규분포 확률밀도함수 그리기.pptx
+++ b/2차원 표준정규분포 확률밀도함수 그리기.pptx
@@ -262,7 +262,7 @@
           <a:p>
             <a:fld id="{5B3AD1D6-AE87-C841-B3FD-7C9F7FCAE5AE}" type="datetimeFigureOut">
               <a:rPr lang="en-US" smtClean="0"/>
-              <a:t>12/4/19</a:t>
+              <a:t>12/5/19</a:t>
             </a:fld>
             <a:endParaRPr lang="en-US"/>
           </a:p>
@@ -432,7 +432,7 @@
           <a:p>
             <a:fld id="{5B3AD1D6-AE87-C841-B3FD-7C9F7FCAE5AE}" type="datetimeFigureOut">
               <a:rPr lang="en-US" smtClean="0"/>
-              <a:t>12/4/19</a:t>
+              <a:t>12/5/19</a:t>
             </a:fld>
             <a:endParaRPr lang="en-US"/>
           </a:p>
@@ -612,7 +612,7 @@
           <a:p>
             <a:fld id="{5B3AD1D6-AE87-C841-B3FD-7C9F7FCAE5AE}" type="datetimeFigureOut">
               <a:rPr lang="en-US" smtClean="0"/>
-              <a:t>12/4/19</a:t>
+              <a:t>12/5/19</a:t>
             </a:fld>
             <a:endParaRPr lang="en-US"/>
           </a:p>
@@ -782,7 +782,7 @@
           <a:p>
             <a:fld id="{5B3AD1D6-AE87-C841-B3FD-7C9F7FCAE5AE}" type="datetimeFigureOut">
               <a:rPr lang="en-US" smtClean="0"/>
-              <a:t>12/4/19</a:t>
+              <a:t>12/5/19</a:t>
             </a:fld>
             <a:endParaRPr lang="en-US"/>
           </a:p>
@@ -1028,7 +1028,7 @@
           <a:p>
             <a:fld id="{5B3AD1D6-AE87-C841-B3FD-7C9F7FCAE5AE}" type="datetimeFigureOut">
               <a:rPr lang="en-US" smtClean="0"/>
-              <a:t>12/4/19</a:t>
+              <a:t>12/5/19</a:t>
             </a:fld>
             <a:endParaRPr lang="en-US"/>
           </a:p>
@@ -1260,7 +1260,7 @@
           <a:p>
             <a:fld id="{5B3AD1D6-AE87-C841-B3FD-7C9F7FCAE5AE}" type="datetimeFigureOut">
               <a:rPr lang="en-US" smtClean="0"/>
-              <a:t>12/4/19</a:t>
+              <a:t>12/5/19</a:t>
             </a:fld>
             <a:endParaRPr lang="en-US"/>
           </a:p>
@@ -1627,7 +1627,7 @@
           <a:p>
             <a:fld id="{5B3AD1D6-AE87-C841-B3FD-7C9F7FCAE5AE}" type="datetimeFigureOut">
               <a:rPr lang="en-US" smtClean="0"/>
-              <a:t>12/4/19</a:t>
+              <a:t>12/5/19</a:t>
             </a:fld>
             <a:endParaRPr lang="en-US"/>
           </a:p>
@@ -1745,7 +1745,7 @@
           <a:p>
             <a:fld id="{5B3AD1D6-AE87-C841-B3FD-7C9F7FCAE5AE}" type="datetimeFigureOut">
               <a:rPr lang="en-US" smtClean="0"/>
-              <a:t>12/4/19</a:t>
+              <a:t>12/5/19</a:t>
             </a:fld>
             <a:endParaRPr lang="en-US"/>
           </a:p>
@@ -1840,7 +1840,7 @@
           <a:p>
             <a:fld id="{5B3AD1D6-AE87-C841-B3FD-7C9F7FCAE5AE}" type="datetimeFigureOut">
               <a:rPr lang="en-US" smtClean="0"/>
-              <a:t>12/4/19</a:t>
+              <a:t>12/5/19</a:t>
             </a:fld>
             <a:endParaRPr lang="en-US"/>
           </a:p>
@@ -2117,7 +2117,7 @@
           <a:p>
             <a:fld id="{5B3AD1D6-AE87-C841-B3FD-7C9F7FCAE5AE}" type="datetimeFigureOut">
               <a:rPr lang="en-US" smtClean="0"/>
-              <a:t>12/4/19</a:t>
+              <a:t>12/5/19</a:t>
             </a:fld>
             <a:endParaRPr lang="en-US"/>
           </a:p>
@@ -2370,7 +2370,7 @@
           <a:p>
             <a:fld id="{5B3AD1D6-AE87-C841-B3FD-7C9F7FCAE5AE}" type="datetimeFigureOut">
               <a:rPr lang="en-US" smtClean="0"/>
-              <a:t>12/4/19</a:t>
+              <a:t>12/5/19</a:t>
             </a:fld>
             <a:endParaRPr lang="en-US"/>
           </a:p>
@@ -2583,7 +2583,7 @@
           <a:p>
             <a:fld id="{5B3AD1D6-AE87-C841-B3FD-7C9F7FCAE5AE}" type="datetimeFigureOut">
               <a:rPr lang="en-US" smtClean="0"/>
-              <a:t>12/4/19</a:t>
+              <a:t>12/5/19</a:t>
             </a:fld>
             <a:endParaRPr lang="en-US"/>
           </a:p>

--- a/2차원 표준정규분포 확률밀도함수 그리기.pptx
+++ b/2차원 표준정규분포 확률밀도함수 그리기.pptx
@@ -5237,7 +5237,7 @@
       </p:sp>
       <p:pic>
         <p:nvPicPr>
-          <p:cNvPr id="4" name="Picture 3"/>
+          <p:cNvPr id="2" name="Picture 1"/>
           <p:cNvPicPr>
             <a:picLocks noChangeAspect="1"/>
           </p:cNvPicPr>
@@ -5257,8 +5257,8 @@
         </p:blipFill>
         <p:spPr>
           <a:xfrm>
-            <a:off x="301226" y="2131923"/>
-            <a:ext cx="11870765" cy="3509753"/>
+            <a:off x="0" y="1892300"/>
+            <a:ext cx="12192000" cy="3068262"/>
           </a:xfrm>
           <a:prstGeom prst="rect">
             <a:avLst/>

--- a/2차원 표준정규분포 확률밀도함수 그리기.pptx
+++ b/2차원 표준정규분포 확률밀도함수 그리기.pptx
@@ -5237,7 +5237,7 @@
       </p:sp>
       <p:pic>
         <p:nvPicPr>
-          <p:cNvPr id="2" name="Picture 1"/>
+          <p:cNvPr id="4" name="Picture 3"/>
           <p:cNvPicPr>
             <a:picLocks noChangeAspect="1"/>
           </p:cNvPicPr>
@@ -5257,8 +5257,8 @@
         </p:blipFill>
         <p:spPr>
           <a:xfrm>
-            <a:off x="0" y="1892300"/>
-            <a:ext cx="12192000" cy="3068262"/>
+            <a:off x="0" y="1803400"/>
+            <a:ext cx="12192000" cy="3231905"/>
           </a:xfrm>
           <a:prstGeom prst="rect">
             <a:avLst/>
